--- a/Nhóm10_Tương_Tác_Người_Máy.pptx
+++ b/Nhóm10_Tương_Tác_Người_Máy.pptx
@@ -7767,9 +7767,9 @@
         <p:grpSpPr>
           <a:xfrm>
             <a:off x="1028700" y="1028700"/>
-            <a:ext cx="4212844" cy="586200"/>
+            <a:ext cx="5143500" cy="586200"/>
             <a:chOff x="0" y="0"/>
-            <a:chExt cx="5617125" cy="781600"/>
+            <a:chExt cx="6858000" cy="781600"/>
           </a:xfrm>
         </p:grpSpPr>
         <p:sp>
@@ -7781,14 +7781,14 @@
           <p:spPr>
             <a:xfrm>
               <a:off x="1293956" y="104415"/>
-              <a:ext cx="4323169" cy="534079"/>
+              <a:ext cx="5564044" cy="534078"/>
             </a:xfrm>
             <a:prstGeom prst="rect">
               <a:avLst/>
             </a:prstGeom>
           </p:spPr>
           <p:txBody>
-            <a:bodyPr lIns="0" tIns="0" rIns="0" bIns="0" rtlCol="0" anchor="t">
+            <a:bodyPr wrap="square" lIns="0" tIns="0" rIns="0" bIns="0" rtlCol="0" anchor="t">
               <a:spAutoFit/>
             </a:bodyPr>
             <a:lstStyle/>
@@ -7808,7 +7808,7 @@
                   </a:solidFill>
                   <a:latin typeface="Muli Bold"/>
                 </a:rPr>
-                <a:t>Mô hình hóa yêu cầu</a:t>
+                <a:t>Phân tích thiết kế hệ thống</a:t>
               </a:r>
               <a:endParaRPr lang="en-US" sz="2400" dirty="0">
                 <a:solidFill>
@@ -8354,9 +8354,9 @@
         <p:grpSpPr>
           <a:xfrm>
             <a:off x="1028700" y="1028700"/>
-            <a:ext cx="4212844" cy="586200"/>
+            <a:ext cx="5372100" cy="586200"/>
             <a:chOff x="0" y="0"/>
-            <a:chExt cx="5617125" cy="781600"/>
+            <a:chExt cx="7162800" cy="781600"/>
           </a:xfrm>
         </p:grpSpPr>
         <p:sp>
@@ -8368,14 +8368,14 @@
           <p:spPr>
             <a:xfrm>
               <a:off x="1293956" y="104415"/>
-              <a:ext cx="4323169" cy="534079"/>
+              <a:ext cx="5868844" cy="534078"/>
             </a:xfrm>
             <a:prstGeom prst="rect">
               <a:avLst/>
             </a:prstGeom>
           </p:spPr>
           <p:txBody>
-            <a:bodyPr lIns="0" tIns="0" rIns="0" bIns="0" rtlCol="0" anchor="t">
+            <a:bodyPr wrap="square" lIns="0" tIns="0" rIns="0" bIns="0" rtlCol="0" anchor="t">
               <a:spAutoFit/>
             </a:bodyPr>
             <a:lstStyle/>
@@ -8395,7 +8395,7 @@
                   </a:solidFill>
                   <a:latin typeface="Muli Bold"/>
                 </a:rPr>
-                <a:t>Mô hình hóa yêu cầu</a:t>
+                <a:t>Phân tích thiết kế hệ thống</a:t>
               </a:r>
               <a:endParaRPr lang="en-US" sz="2400" dirty="0">
                 <a:solidFill>
@@ -8941,9 +8941,9 @@
         <p:grpSpPr>
           <a:xfrm>
             <a:off x="1028700" y="1028700"/>
-            <a:ext cx="4212844" cy="586200"/>
+            <a:ext cx="5219700" cy="586200"/>
             <a:chOff x="0" y="0"/>
-            <a:chExt cx="5617125" cy="781600"/>
+            <a:chExt cx="6959600" cy="781600"/>
           </a:xfrm>
         </p:grpSpPr>
         <p:sp>
@@ -8955,14 +8955,14 @@
           <p:spPr>
             <a:xfrm>
               <a:off x="1293956" y="104415"/>
-              <a:ext cx="4323169" cy="534079"/>
+              <a:ext cx="5665644" cy="534078"/>
             </a:xfrm>
             <a:prstGeom prst="rect">
               <a:avLst/>
             </a:prstGeom>
           </p:spPr>
           <p:txBody>
-            <a:bodyPr lIns="0" tIns="0" rIns="0" bIns="0" rtlCol="0" anchor="t">
+            <a:bodyPr wrap="square" lIns="0" tIns="0" rIns="0" bIns="0" rtlCol="0" anchor="t">
               <a:spAutoFit/>
             </a:bodyPr>
             <a:lstStyle/>
@@ -8982,7 +8982,7 @@
                   </a:solidFill>
                   <a:latin typeface="Muli Bold"/>
                 </a:rPr>
-                <a:t>Mô hình hóa yêu cầu</a:t>
+                <a:t>Phân tích thiết kế hệ thống</a:t>
               </a:r>
               <a:endParaRPr lang="en-US" sz="2400" dirty="0">
                 <a:solidFill>

--- a/Nhóm10_Tương_Tác_Người_Máy.pptx
+++ b/Nhóm10_Tương_Tác_Người_Máy.pptx
@@ -5,46 +5,47 @@
     <p:sldMasterId id="2147483648" r:id="rId1"/>
   </p:sldMasterIdLst>
   <p:notesMasterIdLst>
-    <p:notesMasterId r:id="rId21"/>
+    <p:notesMasterId r:id="rId22"/>
   </p:notesMasterIdLst>
   <p:sldIdLst>
     <p:sldId id="256" r:id="rId2"/>
     <p:sldId id="257" r:id="rId3"/>
     <p:sldId id="258" r:id="rId4"/>
     <p:sldId id="261" r:id="rId5"/>
-    <p:sldId id="284" r:id="rId6"/>
-    <p:sldId id="285" r:id="rId7"/>
-    <p:sldId id="286" r:id="rId8"/>
-    <p:sldId id="263" r:id="rId9"/>
-    <p:sldId id="265" r:id="rId10"/>
-    <p:sldId id="275" r:id="rId11"/>
-    <p:sldId id="276" r:id="rId12"/>
-    <p:sldId id="277" r:id="rId13"/>
-    <p:sldId id="278" r:id="rId14"/>
-    <p:sldId id="279" r:id="rId15"/>
-    <p:sldId id="280" r:id="rId16"/>
-    <p:sldId id="281" r:id="rId17"/>
-    <p:sldId id="282" r:id="rId18"/>
-    <p:sldId id="283" r:id="rId19"/>
-    <p:sldId id="267" r:id="rId20"/>
+    <p:sldId id="287" r:id="rId6"/>
+    <p:sldId id="284" r:id="rId7"/>
+    <p:sldId id="285" r:id="rId8"/>
+    <p:sldId id="286" r:id="rId9"/>
+    <p:sldId id="263" r:id="rId10"/>
+    <p:sldId id="265" r:id="rId11"/>
+    <p:sldId id="275" r:id="rId12"/>
+    <p:sldId id="276" r:id="rId13"/>
+    <p:sldId id="277" r:id="rId14"/>
+    <p:sldId id="278" r:id="rId15"/>
+    <p:sldId id="279" r:id="rId16"/>
+    <p:sldId id="280" r:id="rId17"/>
+    <p:sldId id="281" r:id="rId18"/>
+    <p:sldId id="282" r:id="rId19"/>
+    <p:sldId id="283" r:id="rId20"/>
+    <p:sldId id="267" r:id="rId21"/>
   </p:sldIdLst>
   <p:sldSz cx="18288000" cy="10287000"/>
   <p:notesSz cx="6858000" cy="9144000"/>
   <p:embeddedFontLst>
     <p:embeddedFont>
       <p:font typeface="Calibri" panose="020F0502020204030204" pitchFamily="34" charset="0"/>
-      <p:regular r:id="rId22"/>
-      <p:bold r:id="rId23"/>
-      <p:italic r:id="rId24"/>
-      <p:boldItalic r:id="rId25"/>
+      <p:regular r:id="rId23"/>
+      <p:bold r:id="rId24"/>
+      <p:italic r:id="rId25"/>
+      <p:boldItalic r:id="rId26"/>
     </p:embeddedFont>
     <p:embeddedFont>
-      <p:font typeface="Muli Bold" panose="020B0604020202020204" charset="0"/>
-      <p:regular r:id="rId26"/>
+      <p:font typeface="Muli Bold" panose="020B0604020202020204" charset="-93"/>
+      <p:regular r:id="rId27"/>
     </p:embeddedFont>
     <p:embeddedFont>
-      <p:font typeface="Muli Regular" panose="020B0604020202020204" charset="0"/>
-      <p:regular r:id="rId27"/>
+      <p:font typeface="Muli Regular" panose="020B0604020202020204" charset="-93"/>
+      <p:regular r:id="rId28"/>
     </p:embeddedFont>
   </p:embeddedFontLst>
   <p:defaultTextStyle>
@@ -243,7 +244,7 @@
           <a:p>
             <a:fld id="{F526537B-F477-463F-8592-FD009002EC61}" type="datetimeFigureOut">
               <a:rPr lang="en-US" smtClean="0"/>
-              <a:t>2023-03-01</a:t>
+              <a:t>3/1/2023</a:t>
             </a:fld>
             <a:endParaRPr lang="en-US"/>
           </a:p>
@@ -576,7 +577,7 @@
           <a:p>
             <a:fld id="{409F328E-EE28-4FB5-A751-96966886F614}" type="slidenum">
               <a:rPr lang="en-US" smtClean="0"/>
-              <a:t>8</a:t>
+              <a:t>9</a:t>
             </a:fld>
             <a:endParaRPr lang="en-US"/>
           </a:p>
@@ -775,7 +776,7 @@
             <a:fld id="{1D8BD707-D9CF-40AE-B4C6-C98DA3205C09}" type="datetimeFigureOut">
               <a:rPr lang="en-US" smtClean="0"/>
               <a:pPr/>
-              <a:t>2023-03-01</a:t>
+              <a:t>3/1/2023</a:t>
             </a:fld>
             <a:endParaRPr lang="en-US"/>
           </a:p>
@@ -940,7 +941,7 @@
             <a:fld id="{1D8BD707-D9CF-40AE-B4C6-C98DA3205C09}" type="datetimeFigureOut">
               <a:rPr lang="en-US" smtClean="0"/>
               <a:pPr/>
-              <a:t>2023-03-01</a:t>
+              <a:t>3/1/2023</a:t>
             </a:fld>
             <a:endParaRPr lang="en-US"/>
           </a:p>
@@ -1115,7 +1116,7 @@
             <a:fld id="{1D8BD707-D9CF-40AE-B4C6-C98DA3205C09}" type="datetimeFigureOut">
               <a:rPr lang="en-US" smtClean="0"/>
               <a:pPr/>
-              <a:t>2023-03-01</a:t>
+              <a:t>3/1/2023</a:t>
             </a:fld>
             <a:endParaRPr lang="en-US"/>
           </a:p>
@@ -1280,7 +1281,7 @@
             <a:fld id="{1D8BD707-D9CF-40AE-B4C6-C98DA3205C09}" type="datetimeFigureOut">
               <a:rPr lang="en-US" smtClean="0"/>
               <a:pPr/>
-              <a:t>2023-03-01</a:t>
+              <a:t>3/1/2023</a:t>
             </a:fld>
             <a:endParaRPr lang="en-US"/>
           </a:p>
@@ -1522,7 +1523,7 @@
             <a:fld id="{1D8BD707-D9CF-40AE-B4C6-C98DA3205C09}" type="datetimeFigureOut">
               <a:rPr lang="en-US" smtClean="0"/>
               <a:pPr/>
-              <a:t>2023-03-01</a:t>
+              <a:t>3/1/2023</a:t>
             </a:fld>
             <a:endParaRPr lang="en-US"/>
           </a:p>
@@ -1804,7 +1805,7 @@
             <a:fld id="{1D8BD707-D9CF-40AE-B4C6-C98DA3205C09}" type="datetimeFigureOut">
               <a:rPr lang="en-US" smtClean="0"/>
               <a:pPr/>
-              <a:t>2023-03-01</a:t>
+              <a:t>3/1/2023</a:t>
             </a:fld>
             <a:endParaRPr lang="en-US"/>
           </a:p>
@@ -2220,7 +2221,7 @@
             <a:fld id="{1D8BD707-D9CF-40AE-B4C6-C98DA3205C09}" type="datetimeFigureOut">
               <a:rPr lang="en-US" smtClean="0"/>
               <a:pPr/>
-              <a:t>2023-03-01</a:t>
+              <a:t>3/1/2023</a:t>
             </a:fld>
             <a:endParaRPr lang="en-US"/>
           </a:p>
@@ -2334,7 +2335,7 @@
             <a:fld id="{1D8BD707-D9CF-40AE-B4C6-C98DA3205C09}" type="datetimeFigureOut">
               <a:rPr lang="en-US" smtClean="0"/>
               <a:pPr/>
-              <a:t>2023-03-01</a:t>
+              <a:t>3/1/2023</a:t>
             </a:fld>
             <a:endParaRPr lang="en-US"/>
           </a:p>
@@ -2426,7 +2427,7 @@
             <a:fld id="{1D8BD707-D9CF-40AE-B4C6-C98DA3205C09}" type="datetimeFigureOut">
               <a:rPr lang="en-US" smtClean="0"/>
               <a:pPr/>
-              <a:t>2023-03-01</a:t>
+              <a:t>3/1/2023</a:t>
             </a:fld>
             <a:endParaRPr lang="en-US"/>
           </a:p>
@@ -2698,7 +2699,7 @@
             <a:fld id="{1D8BD707-D9CF-40AE-B4C6-C98DA3205C09}" type="datetimeFigureOut">
               <a:rPr lang="en-US" smtClean="0"/>
               <a:pPr/>
-              <a:t>2023-03-01</a:t>
+              <a:t>3/1/2023</a:t>
             </a:fld>
             <a:endParaRPr lang="en-US"/>
           </a:p>
@@ -2947,7 +2948,7 @@
             <a:fld id="{1D8BD707-D9CF-40AE-B4C6-C98DA3205C09}" type="datetimeFigureOut">
               <a:rPr lang="en-US" smtClean="0"/>
               <a:pPr/>
-              <a:t>2023-03-01</a:t>
+              <a:t>3/1/2023</a:t>
             </a:fld>
             <a:endParaRPr lang="en-US"/>
           </a:p>
@@ -3155,7 +3156,7 @@
             <a:fld id="{1D8BD707-D9CF-40AE-B4C6-C98DA3205C09}" type="datetimeFigureOut">
               <a:rPr lang="en-US" smtClean="0"/>
               <a:pPr/>
-              <a:t>2023-03-01</a:t>
+              <a:t>3/1/2023</a:t>
             </a:fld>
             <a:endParaRPr lang="en-US"/>
           </a:p>
@@ -4212,7 +4213,7 @@
                 </a:solidFill>
                 <a:latin typeface="Muli Bold"/>
               </a:rPr>
-              <a:t>19119124 	Nguyễn Phú  Quốc</a:t>
+              <a:t>19119124 	Nguyễn Phú Quốc</a:t>
             </a:r>
           </a:p>
         </p:txBody>
@@ -4602,6 +4603,603 @@
           </p:spPr>
         </p:sp>
       </p:grpSp>
+      <p:pic>
+        <p:nvPicPr>
+          <p:cNvPr id="19" name="Hình ảnh 18">
+            <a:extLst>
+              <a:ext uri="{FF2B5EF4-FFF2-40B4-BE49-F238E27FC236}">
+                <a16:creationId xmlns:a16="http://schemas.microsoft.com/office/drawing/2014/main" id="{D251EB81-9455-CB09-83D1-3E8767188CF9}"/>
+              </a:ext>
+            </a:extLst>
+          </p:cNvPr>
+          <p:cNvPicPr>
+            <a:picLocks noChangeAspect="1"/>
+          </p:cNvPicPr>
+          <p:nvPr/>
+        </p:nvPicPr>
+        <p:blipFill>
+          <a:blip r:embed="rId4"/>
+          <a:stretch>
+            <a:fillRect/>
+          </a:stretch>
+        </p:blipFill>
+        <p:spPr>
+          <a:xfrm>
+            <a:off x="6519322" y="3012083"/>
+            <a:ext cx="10929025" cy="5543708"/>
+          </a:xfrm>
+          <a:prstGeom prst="rect">
+            <a:avLst/>
+          </a:prstGeom>
+        </p:spPr>
+      </p:pic>
+      <p:sp>
+        <p:nvSpPr>
+          <p:cNvPr id="20" name="TextBox 14">
+            <a:extLst>
+              <a:ext uri="{FF2B5EF4-FFF2-40B4-BE49-F238E27FC236}">
+                <a16:creationId xmlns:a16="http://schemas.microsoft.com/office/drawing/2014/main" id="{D92102DF-71B5-B8F5-12D4-51710F2C4D1A}"/>
+              </a:ext>
+            </a:extLst>
+          </p:cNvPr>
+          <p:cNvSpPr txBox="1"/>
+          <p:nvPr/>
+        </p:nvSpPr>
+        <p:spPr>
+          <a:xfrm>
+            <a:off x="5791200" y="2324100"/>
+            <a:ext cx="3480309" cy="422873"/>
+          </a:xfrm>
+          <a:prstGeom prst="rect">
+            <a:avLst/>
+          </a:prstGeom>
+        </p:spPr>
+        <p:txBody>
+          <a:bodyPr wrap="square" lIns="0" tIns="0" rIns="0" bIns="0" rtlCol="0" anchor="t">
+            <a:spAutoFit/>
+          </a:bodyPr>
+          <a:lstStyle/>
+          <a:p>
+            <a:pPr algn="ctr">
+              <a:lnSpc>
+                <a:spcPts val="3600"/>
+              </a:lnSpc>
+              <a:spcBef>
+                <a:spcPct val="0"/>
+              </a:spcBef>
+            </a:pPr>
+            <a:r>
+              <a:rPr lang="vi-VN" sz="2500" dirty="0">
+                <a:solidFill>
+                  <a:srgbClr val="000000"/>
+                </a:solidFill>
+                <a:latin typeface="Muli Bold"/>
+              </a:rPr>
+              <a:t>Khách</a:t>
+            </a:r>
+            <a:endParaRPr lang="en-US" sz="2500" dirty="0">
+              <a:solidFill>
+                <a:srgbClr val="000000"/>
+              </a:solidFill>
+              <a:latin typeface="Muli Bold"/>
+            </a:endParaRPr>
+          </a:p>
+        </p:txBody>
+      </p:sp>
+      <p:grpSp>
+        <p:nvGrpSpPr>
+          <p:cNvPr id="21" name="Group 12">
+            <a:extLst>
+              <a:ext uri="{FF2B5EF4-FFF2-40B4-BE49-F238E27FC236}">
+                <a16:creationId xmlns:a16="http://schemas.microsoft.com/office/drawing/2014/main" id="{D5D43A7A-FE00-C8EC-A9AB-EC8D3E872CE1}"/>
+              </a:ext>
+            </a:extLst>
+          </p:cNvPr>
+          <p:cNvGrpSpPr/>
+          <p:nvPr/>
+        </p:nvGrpSpPr>
+        <p:grpSpPr>
+          <a:xfrm>
+            <a:off x="1874664" y="2101814"/>
+            <a:ext cx="380203" cy="329258"/>
+            <a:chOff x="0" y="0"/>
+            <a:chExt cx="3619627" cy="3134614"/>
+          </a:xfrm>
+        </p:grpSpPr>
+        <p:sp>
+          <p:nvSpPr>
+            <p:cNvPr id="22" name="Freeform 13">
+              <a:extLst>
+                <a:ext uri="{FF2B5EF4-FFF2-40B4-BE49-F238E27FC236}">
+                  <a16:creationId xmlns:a16="http://schemas.microsoft.com/office/drawing/2014/main" id="{D9A9FC6D-44A1-B645-329A-4892158E0BF8}"/>
+                </a:ext>
+              </a:extLst>
+            </p:cNvPr>
+            <p:cNvSpPr/>
+            <p:nvPr/>
+          </p:nvSpPr>
+          <p:spPr>
+            <a:xfrm>
+              <a:off x="0" y="0"/>
+              <a:ext cx="3619627" cy="3134614"/>
+            </a:xfrm>
+            <a:custGeom>
+              <a:avLst/>
+              <a:gdLst/>
+              <a:ahLst/>
+              <a:cxnLst/>
+              <a:rect l="l" t="t" r="r" b="b"/>
+              <a:pathLst>
+                <a:path w="3619627" h="3134614">
+                  <a:moveTo>
+                    <a:pt x="3619627" y="1567307"/>
+                  </a:moveTo>
+                  <a:lnTo>
+                    <a:pt x="2714752" y="3134614"/>
+                  </a:lnTo>
+                  <a:lnTo>
+                    <a:pt x="904875" y="3134614"/>
+                  </a:lnTo>
+                  <a:lnTo>
+                    <a:pt x="0" y="1567307"/>
+                  </a:lnTo>
+                  <a:lnTo>
+                    <a:pt x="904875" y="0"/>
+                  </a:lnTo>
+                  <a:lnTo>
+                    <a:pt x="2714625" y="0"/>
+                  </a:lnTo>
+                  <a:lnTo>
+                    <a:pt x="3619627" y="1567307"/>
+                  </a:lnTo>
+                  <a:close/>
+                </a:path>
+              </a:pathLst>
+            </a:custGeom>
+            <a:solidFill>
+              <a:srgbClr val="A5E473"/>
+            </a:solidFill>
+          </p:spPr>
+        </p:sp>
+      </p:grpSp>
+      <p:sp>
+        <p:nvSpPr>
+          <p:cNvPr id="23" name="TextBox 14">
+            <a:extLst>
+              <a:ext uri="{FF2B5EF4-FFF2-40B4-BE49-F238E27FC236}">
+                <a16:creationId xmlns:a16="http://schemas.microsoft.com/office/drawing/2014/main" id="{880264D6-CEDB-D783-CCDF-E8FC25E4C98B}"/>
+              </a:ext>
+            </a:extLst>
+          </p:cNvPr>
+          <p:cNvSpPr txBox="1"/>
+          <p:nvPr/>
+        </p:nvSpPr>
+        <p:spPr>
+          <a:xfrm>
+            <a:off x="2310891" y="2053627"/>
+            <a:ext cx="4470909" cy="422873"/>
+          </a:xfrm>
+          <a:prstGeom prst="rect">
+            <a:avLst/>
+          </a:prstGeom>
+        </p:spPr>
+        <p:txBody>
+          <a:bodyPr wrap="square" lIns="0" tIns="0" rIns="0" bIns="0" rtlCol="0" anchor="t">
+            <a:spAutoFit/>
+          </a:bodyPr>
+          <a:lstStyle/>
+          <a:p>
+            <a:pPr algn="ctr">
+              <a:lnSpc>
+                <a:spcPts val="3600"/>
+              </a:lnSpc>
+              <a:spcBef>
+                <a:spcPct val="0"/>
+              </a:spcBef>
+            </a:pPr>
+            <a:r>
+              <a:rPr lang="vi-VN" sz="2500" dirty="0">
+                <a:solidFill>
+                  <a:srgbClr val="000000"/>
+                </a:solidFill>
+                <a:latin typeface="Muli Bold"/>
+              </a:rPr>
+              <a:t>Yêu cầu chức năng nghiệp vụ</a:t>
+            </a:r>
+            <a:endParaRPr lang="en-US" sz="2500" dirty="0">
+              <a:solidFill>
+                <a:srgbClr val="000000"/>
+              </a:solidFill>
+              <a:latin typeface="Muli Bold"/>
+            </a:endParaRPr>
+          </a:p>
+        </p:txBody>
+      </p:sp>
+    </p:spTree>
+  </p:cSld>
+  <p:clrMapOvr>
+    <a:masterClrMapping/>
+  </p:clrMapOvr>
+</p:sld>
+</file>
+
+<file path=ppt/slides/slide11.xml><?xml version="1.0" encoding="utf-8"?>
+<p:sld xmlns:a="http://schemas.openxmlformats.org/drawingml/2006/main" xmlns:r="http://schemas.openxmlformats.org/officeDocument/2006/relationships" xmlns:p="http://schemas.openxmlformats.org/presentationml/2006/main">
+  <p:cSld>
+    <p:bg>
+      <p:bgPr>
+        <a:solidFill>
+          <a:srgbClr val="F4F4F4"/>
+        </a:solidFill>
+        <a:effectLst/>
+      </p:bgPr>
+    </p:bg>
+    <p:spTree>
+      <p:nvGrpSpPr>
+        <p:cNvPr id="1" name=""/>
+        <p:cNvGrpSpPr/>
+        <p:nvPr/>
+      </p:nvGrpSpPr>
+      <p:grpSpPr>
+        <a:xfrm>
+          <a:off x="0" y="0"/>
+          <a:ext cx="0" cy="0"/>
+          <a:chOff x="0" y="0"/>
+          <a:chExt cx="0" cy="0"/>
+        </a:xfrm>
+      </p:grpSpPr>
+      <p:grpSp>
+        <p:nvGrpSpPr>
+          <p:cNvPr id="2" name="Group 2"/>
+          <p:cNvGrpSpPr/>
+          <p:nvPr/>
+        </p:nvGrpSpPr>
+        <p:grpSpPr>
+          <a:xfrm>
+            <a:off x="1028700" y="1028700"/>
+            <a:ext cx="4212844" cy="586200"/>
+            <a:chOff x="0" y="0"/>
+            <a:chExt cx="5617125" cy="781600"/>
+          </a:xfrm>
+        </p:grpSpPr>
+        <p:sp>
+          <p:nvSpPr>
+            <p:cNvPr id="3" name="TextBox 3"/>
+            <p:cNvSpPr txBox="1"/>
+            <p:nvPr/>
+          </p:nvSpPr>
+          <p:spPr>
+            <a:xfrm>
+              <a:off x="1293956" y="104415"/>
+              <a:ext cx="4323169" cy="534079"/>
+            </a:xfrm>
+            <a:prstGeom prst="rect">
+              <a:avLst/>
+            </a:prstGeom>
+          </p:spPr>
+          <p:txBody>
+            <a:bodyPr lIns="0" tIns="0" rIns="0" bIns="0" rtlCol="0" anchor="t">
+              <a:spAutoFit/>
+            </a:bodyPr>
+            <a:lstStyle/>
+            <a:p>
+              <a:pPr>
+                <a:lnSpc>
+                  <a:spcPts val="3359"/>
+                </a:lnSpc>
+                <a:spcBef>
+                  <a:spcPct val="0"/>
+                </a:spcBef>
+              </a:pPr>
+              <a:r>
+                <a:rPr lang="vi-VN" sz="2400" dirty="0">
+                  <a:solidFill>
+                    <a:srgbClr val="000000"/>
+                  </a:solidFill>
+                  <a:latin typeface="Muli Bold"/>
+                </a:rPr>
+                <a:t>Mô hình hóa yêu cầu</a:t>
+              </a:r>
+              <a:endParaRPr lang="en-US" sz="2400" dirty="0">
+                <a:solidFill>
+                  <a:srgbClr val="000000"/>
+                </a:solidFill>
+                <a:latin typeface="Muli Bold"/>
+              </a:endParaRPr>
+            </a:p>
+          </p:txBody>
+        </p:sp>
+        <p:pic>
+          <p:nvPicPr>
+            <p:cNvPr id="4" name="Picture 4"/>
+            <p:cNvPicPr>
+              <a:picLocks noChangeAspect="1"/>
+            </p:cNvPicPr>
+            <p:nvPr/>
+          </p:nvPicPr>
+          <p:blipFill>
+            <a:blip r:embed="rId2" cstate="print">
+              <a:extLst>
+                <a:ext uri="{28A0092B-C50C-407E-A947-70E740481C1C}">
+                  <a14:useLocalDpi xmlns:a14="http://schemas.microsoft.com/office/drawing/2010/main" val="0"/>
+                </a:ext>
+                <a:ext uri="{96DAC541-7B7A-43D3-8B79-37D633B846F1}">
+                  <asvg:svgBlip xmlns:asvg="http://schemas.microsoft.com/office/drawing/2016/SVG/main" r:embed="rId3"/>
+                </a:ext>
+              </a:extLst>
+            </a:blip>
+            <a:srcRect/>
+            <a:stretch>
+              <a:fillRect/>
+            </a:stretch>
+          </p:blipFill>
+          <p:spPr>
+            <a:xfrm>
+              <a:off x="0" y="0"/>
+              <a:ext cx="905010" cy="781600"/>
+            </a:xfrm>
+            <a:prstGeom prst="rect">
+              <a:avLst/>
+            </a:prstGeom>
+          </p:spPr>
+        </p:pic>
+      </p:grpSp>
+      <p:grpSp>
+        <p:nvGrpSpPr>
+          <p:cNvPr id="5" name="Group 5"/>
+          <p:cNvGrpSpPr/>
+          <p:nvPr/>
+        </p:nvGrpSpPr>
+        <p:grpSpPr>
+          <a:xfrm rot="-10800000">
+            <a:off x="-1306086" y="4784384"/>
+            <a:ext cx="4985461" cy="4317433"/>
+            <a:chOff x="0" y="0"/>
+            <a:chExt cx="3619627" cy="3134614"/>
+          </a:xfrm>
+        </p:grpSpPr>
+        <p:sp>
+          <p:nvSpPr>
+            <p:cNvPr id="6" name="Freeform 6"/>
+            <p:cNvSpPr/>
+            <p:nvPr/>
+          </p:nvSpPr>
+          <p:spPr>
+            <a:xfrm>
+              <a:off x="0" y="0"/>
+              <a:ext cx="3619627" cy="3134614"/>
+            </a:xfrm>
+            <a:custGeom>
+              <a:avLst/>
+              <a:gdLst/>
+              <a:ahLst/>
+              <a:cxnLst/>
+              <a:rect l="l" t="t" r="r" b="b"/>
+              <a:pathLst>
+                <a:path w="3619627" h="3134614">
+                  <a:moveTo>
+                    <a:pt x="3619627" y="1567307"/>
+                  </a:moveTo>
+                  <a:lnTo>
+                    <a:pt x="2714752" y="3134614"/>
+                  </a:lnTo>
+                  <a:lnTo>
+                    <a:pt x="904875" y="3134614"/>
+                  </a:lnTo>
+                  <a:lnTo>
+                    <a:pt x="0" y="1567307"/>
+                  </a:lnTo>
+                  <a:lnTo>
+                    <a:pt x="904875" y="0"/>
+                  </a:lnTo>
+                  <a:lnTo>
+                    <a:pt x="2714625" y="0"/>
+                  </a:lnTo>
+                  <a:lnTo>
+                    <a:pt x="3619627" y="1567307"/>
+                  </a:lnTo>
+                  <a:close/>
+                </a:path>
+              </a:pathLst>
+            </a:custGeom>
+            <a:solidFill>
+              <a:srgbClr val="004651"/>
+            </a:solidFill>
+          </p:spPr>
+        </p:sp>
+      </p:grpSp>
+      <p:grpSp>
+        <p:nvGrpSpPr>
+          <p:cNvPr id="7" name="Group 7"/>
+          <p:cNvGrpSpPr/>
+          <p:nvPr/>
+        </p:nvGrpSpPr>
+        <p:grpSpPr>
+          <a:xfrm rot="-10800000">
+            <a:off x="3061137" y="7468788"/>
+            <a:ext cx="3480308" cy="3013963"/>
+            <a:chOff x="0" y="0"/>
+            <a:chExt cx="3619627" cy="3134614"/>
+          </a:xfrm>
+        </p:grpSpPr>
+        <p:sp>
+          <p:nvSpPr>
+            <p:cNvPr id="8" name="Freeform 8"/>
+            <p:cNvSpPr/>
+            <p:nvPr/>
+          </p:nvSpPr>
+          <p:spPr>
+            <a:xfrm>
+              <a:off x="0" y="0"/>
+              <a:ext cx="3619627" cy="3134614"/>
+            </a:xfrm>
+            <a:custGeom>
+              <a:avLst/>
+              <a:gdLst/>
+              <a:ahLst/>
+              <a:cxnLst/>
+              <a:rect l="l" t="t" r="r" b="b"/>
+              <a:pathLst>
+                <a:path w="3619627" h="3134614">
+                  <a:moveTo>
+                    <a:pt x="3619627" y="1567307"/>
+                  </a:moveTo>
+                  <a:lnTo>
+                    <a:pt x="2714752" y="3134614"/>
+                  </a:lnTo>
+                  <a:lnTo>
+                    <a:pt x="904875" y="3134614"/>
+                  </a:lnTo>
+                  <a:lnTo>
+                    <a:pt x="0" y="1567307"/>
+                  </a:lnTo>
+                  <a:lnTo>
+                    <a:pt x="904875" y="0"/>
+                  </a:lnTo>
+                  <a:lnTo>
+                    <a:pt x="2714625" y="0"/>
+                  </a:lnTo>
+                  <a:lnTo>
+                    <a:pt x="3619627" y="1567307"/>
+                  </a:lnTo>
+                  <a:close/>
+                </a:path>
+              </a:pathLst>
+            </a:custGeom>
+            <a:solidFill>
+              <a:srgbClr val="A4E473"/>
+            </a:solidFill>
+          </p:spPr>
+        </p:sp>
+      </p:grpSp>
+      <p:grpSp>
+        <p:nvGrpSpPr>
+          <p:cNvPr id="9" name="Group 9"/>
+          <p:cNvGrpSpPr/>
+          <p:nvPr/>
+        </p:nvGrpSpPr>
+        <p:grpSpPr>
+          <a:xfrm rot="-10800000">
+            <a:off x="2780085" y="4005595"/>
+            <a:ext cx="1798578" cy="1557577"/>
+            <a:chOff x="0" y="0"/>
+            <a:chExt cx="3619627" cy="3134614"/>
+          </a:xfrm>
+        </p:grpSpPr>
+        <p:sp>
+          <p:nvSpPr>
+            <p:cNvPr id="10" name="Freeform 10"/>
+            <p:cNvSpPr/>
+            <p:nvPr/>
+          </p:nvSpPr>
+          <p:spPr>
+            <a:xfrm>
+              <a:off x="0" y="0"/>
+              <a:ext cx="3619627" cy="3134614"/>
+            </a:xfrm>
+            <a:custGeom>
+              <a:avLst/>
+              <a:gdLst/>
+              <a:ahLst/>
+              <a:cxnLst/>
+              <a:rect l="l" t="t" r="r" b="b"/>
+              <a:pathLst>
+                <a:path w="3619627" h="3134614">
+                  <a:moveTo>
+                    <a:pt x="3619627" y="1567307"/>
+                  </a:moveTo>
+                  <a:lnTo>
+                    <a:pt x="2714752" y="3134614"/>
+                  </a:lnTo>
+                  <a:lnTo>
+                    <a:pt x="904875" y="3134614"/>
+                  </a:lnTo>
+                  <a:lnTo>
+                    <a:pt x="0" y="1567307"/>
+                  </a:lnTo>
+                  <a:lnTo>
+                    <a:pt x="904875" y="0"/>
+                  </a:lnTo>
+                  <a:lnTo>
+                    <a:pt x="2714625" y="0"/>
+                  </a:lnTo>
+                  <a:lnTo>
+                    <a:pt x="3619627" y="1567307"/>
+                  </a:lnTo>
+                  <a:close/>
+                </a:path>
+              </a:pathLst>
+            </a:custGeom>
+            <a:solidFill>
+              <a:srgbClr val="00A181"/>
+            </a:solidFill>
+          </p:spPr>
+        </p:sp>
+      </p:grpSp>
+      <p:grpSp>
+        <p:nvGrpSpPr>
+          <p:cNvPr id="11" name="Group 11"/>
+          <p:cNvGrpSpPr/>
+          <p:nvPr/>
+        </p:nvGrpSpPr>
+        <p:grpSpPr>
+          <a:xfrm rot="-10800000">
+            <a:off x="300983" y="7795449"/>
+            <a:ext cx="3378391" cy="2925703"/>
+            <a:chOff x="0" y="0"/>
+            <a:chExt cx="3619627" cy="3134614"/>
+          </a:xfrm>
+        </p:grpSpPr>
+        <p:sp>
+          <p:nvSpPr>
+            <p:cNvPr id="12" name="Freeform 12"/>
+            <p:cNvSpPr/>
+            <p:nvPr/>
+          </p:nvSpPr>
+          <p:spPr>
+            <a:xfrm>
+              <a:off x="0" y="0"/>
+              <a:ext cx="3619627" cy="3134614"/>
+            </a:xfrm>
+            <a:custGeom>
+              <a:avLst/>
+              <a:gdLst/>
+              <a:ahLst/>
+              <a:cxnLst/>
+              <a:rect l="l" t="t" r="r" b="b"/>
+              <a:pathLst>
+                <a:path w="3619627" h="3134614">
+                  <a:moveTo>
+                    <a:pt x="3619627" y="1567307"/>
+                  </a:moveTo>
+                  <a:lnTo>
+                    <a:pt x="2714752" y="3134614"/>
+                  </a:lnTo>
+                  <a:lnTo>
+                    <a:pt x="904875" y="3134614"/>
+                  </a:lnTo>
+                  <a:lnTo>
+                    <a:pt x="0" y="1567307"/>
+                  </a:lnTo>
+                  <a:lnTo>
+                    <a:pt x="904875" y="0"/>
+                  </a:lnTo>
+                  <a:lnTo>
+                    <a:pt x="2714625" y="0"/>
+                  </a:lnTo>
+                  <a:lnTo>
+                    <a:pt x="3619627" y="1567307"/>
+                  </a:lnTo>
+                  <a:close/>
+                </a:path>
+              </a:pathLst>
+            </a:custGeom>
+            <a:solidFill>
+              <a:srgbClr val="00A181"/>
+            </a:solidFill>
+          </p:spPr>
+        </p:sp>
+      </p:grpSp>
       <p:sp>
         <p:nvSpPr>
           <p:cNvPr id="20" name="TextBox 14">
@@ -4827,7 +5425,7 @@
 </p:sld>
 </file>
 
-<file path=ppt/slides/slide11.xml><?xml version="1.0" encoding="utf-8"?>
+<file path=ppt/slides/slide12.xml><?xml version="1.0" encoding="utf-8"?>
 <p:sld xmlns:a="http://schemas.openxmlformats.org/drawingml/2006/main" xmlns:r="http://schemas.openxmlformats.org/officeDocument/2006/relationships" xmlns:p="http://schemas.openxmlformats.org/presentationml/2006/main">
   <p:cSld>
     <p:bg>
@@ -5431,7 +6029,7 @@
 </p:sld>
 </file>
 
-<file path=ppt/slides/slide12.xml><?xml version="1.0" encoding="utf-8"?>
+<file path=ppt/slides/slide13.xml><?xml version="1.0" encoding="utf-8"?>
 <p:sld xmlns:a="http://schemas.openxmlformats.org/drawingml/2006/main" xmlns:r="http://schemas.openxmlformats.org/officeDocument/2006/relationships" xmlns:p="http://schemas.openxmlformats.org/presentationml/2006/main">
   <p:cSld>
     <p:bg>
@@ -6033,7 +6631,7 @@
 </p:sld>
 </file>
 
-<file path=ppt/slides/slide13.xml><?xml version="1.0" encoding="utf-8"?>
+<file path=ppt/slides/slide14.xml><?xml version="1.0" encoding="utf-8"?>
 <p:sld xmlns:a="http://schemas.openxmlformats.org/drawingml/2006/main" xmlns:r="http://schemas.openxmlformats.org/officeDocument/2006/relationships" xmlns:p="http://schemas.openxmlformats.org/presentationml/2006/main">
   <p:cSld>
     <p:bg>
@@ -6635,7 +7233,7 @@
 </p:sld>
 </file>
 
-<file path=ppt/slides/slide14.xml><?xml version="1.0" encoding="utf-8"?>
+<file path=ppt/slides/slide15.xml><?xml version="1.0" encoding="utf-8"?>
 <p:sld xmlns:a="http://schemas.openxmlformats.org/drawingml/2006/main" xmlns:r="http://schemas.openxmlformats.org/officeDocument/2006/relationships" xmlns:p="http://schemas.openxmlformats.org/presentationml/2006/main">
   <p:cSld>
     <p:bg>
@@ -7184,7 +7782,7 @@
 </p:sld>
 </file>
 
-<file path=ppt/slides/slide15.xml><?xml version="1.0" encoding="utf-8"?>
+<file path=ppt/slides/slide16.xml><?xml version="1.0" encoding="utf-8"?>
 <p:sld xmlns:a="http://schemas.openxmlformats.org/drawingml/2006/main" xmlns:r="http://schemas.openxmlformats.org/officeDocument/2006/relationships" xmlns:p="http://schemas.openxmlformats.org/presentationml/2006/main">
   <p:cSld>
     <p:bg>
@@ -7733,7 +8331,7 @@
 </p:sld>
 </file>
 
-<file path=ppt/slides/slide16.xml><?xml version="1.0" encoding="utf-8"?>
+<file path=ppt/slides/slide17.xml><?xml version="1.0" encoding="utf-8"?>
 <p:sld xmlns:a="http://schemas.openxmlformats.org/drawingml/2006/main" xmlns:r="http://schemas.openxmlformats.org/officeDocument/2006/relationships" xmlns:p="http://schemas.openxmlformats.org/presentationml/2006/main">
   <p:cSld>
     <p:bg>
@@ -7767,9 +8365,9 @@
         <p:grpSpPr>
           <a:xfrm>
             <a:off x="1028700" y="1028700"/>
-            <a:ext cx="5143500" cy="586200"/>
+            <a:ext cx="4212844" cy="914888"/>
             <a:chOff x="0" y="0"/>
-            <a:chExt cx="6858000" cy="781600"/>
+            <a:chExt cx="5617125" cy="1219850"/>
           </a:xfrm>
         </p:grpSpPr>
         <p:sp>
@@ -7781,14 +8379,14 @@
           <p:spPr>
             <a:xfrm>
               <a:off x="1293956" y="104415"/>
-              <a:ext cx="5564044" cy="534078"/>
+              <a:ext cx="4323169" cy="1115435"/>
             </a:xfrm>
             <a:prstGeom prst="rect">
               <a:avLst/>
             </a:prstGeom>
           </p:spPr>
           <p:txBody>
-            <a:bodyPr wrap="square" lIns="0" tIns="0" rIns="0" bIns="0" rtlCol="0" anchor="t">
+            <a:bodyPr lIns="0" tIns="0" rIns="0" bIns="0" rtlCol="0" anchor="t">
               <a:spAutoFit/>
             </a:bodyPr>
             <a:lstStyle/>
@@ -8320,7 +8918,7 @@
 </p:sld>
 </file>
 
-<file path=ppt/slides/slide17.xml><?xml version="1.0" encoding="utf-8"?>
+<file path=ppt/slides/slide18.xml><?xml version="1.0" encoding="utf-8"?>
 <p:sld xmlns:a="http://schemas.openxmlformats.org/drawingml/2006/main" xmlns:r="http://schemas.openxmlformats.org/officeDocument/2006/relationships" xmlns:p="http://schemas.openxmlformats.org/presentationml/2006/main">
   <p:cSld>
     <p:bg>
@@ -8345,102 +8943,6 @@
           <a:chExt cx="0" cy="0"/>
         </a:xfrm>
       </p:grpSpPr>
-      <p:grpSp>
-        <p:nvGrpSpPr>
-          <p:cNvPr id="2" name="Group 2"/>
-          <p:cNvGrpSpPr/>
-          <p:nvPr/>
-        </p:nvGrpSpPr>
-        <p:grpSpPr>
-          <a:xfrm>
-            <a:off x="1028700" y="1028700"/>
-            <a:ext cx="5372100" cy="586200"/>
-            <a:chOff x="0" y="0"/>
-            <a:chExt cx="7162800" cy="781600"/>
-          </a:xfrm>
-        </p:grpSpPr>
-        <p:sp>
-          <p:nvSpPr>
-            <p:cNvPr id="3" name="TextBox 3"/>
-            <p:cNvSpPr txBox="1"/>
-            <p:nvPr/>
-          </p:nvSpPr>
-          <p:spPr>
-            <a:xfrm>
-              <a:off x="1293956" y="104415"/>
-              <a:ext cx="5868844" cy="534078"/>
-            </a:xfrm>
-            <a:prstGeom prst="rect">
-              <a:avLst/>
-            </a:prstGeom>
-          </p:spPr>
-          <p:txBody>
-            <a:bodyPr wrap="square" lIns="0" tIns="0" rIns="0" bIns="0" rtlCol="0" anchor="t">
-              <a:spAutoFit/>
-            </a:bodyPr>
-            <a:lstStyle/>
-            <a:p>
-              <a:pPr>
-                <a:lnSpc>
-                  <a:spcPts val="3359"/>
-                </a:lnSpc>
-                <a:spcBef>
-                  <a:spcPct val="0"/>
-                </a:spcBef>
-              </a:pPr>
-              <a:r>
-                <a:rPr lang="vi-VN" sz="2400" dirty="0">
-                  <a:solidFill>
-                    <a:srgbClr val="000000"/>
-                  </a:solidFill>
-                  <a:latin typeface="Muli Bold"/>
-                </a:rPr>
-                <a:t>Phân tích thiết kế hệ thống</a:t>
-              </a:r>
-              <a:endParaRPr lang="en-US" sz="2400" dirty="0">
-                <a:solidFill>
-                  <a:srgbClr val="000000"/>
-                </a:solidFill>
-                <a:latin typeface="Muli Bold"/>
-              </a:endParaRPr>
-            </a:p>
-          </p:txBody>
-        </p:sp>
-        <p:pic>
-          <p:nvPicPr>
-            <p:cNvPr id="4" name="Picture 4"/>
-            <p:cNvPicPr>
-              <a:picLocks noChangeAspect="1"/>
-            </p:cNvPicPr>
-            <p:nvPr/>
-          </p:nvPicPr>
-          <p:blipFill>
-            <a:blip r:embed="rId2" cstate="print">
-              <a:extLst>
-                <a:ext uri="{28A0092B-C50C-407E-A947-70E740481C1C}">
-                  <a14:useLocalDpi xmlns:a14="http://schemas.microsoft.com/office/drawing/2010/main" val="0"/>
-                </a:ext>
-                <a:ext uri="{96DAC541-7B7A-43D3-8B79-37D633B846F1}">
-                  <asvg:svgBlip xmlns:asvg="http://schemas.microsoft.com/office/drawing/2016/SVG/main" r:embed="rId3"/>
-                </a:ext>
-              </a:extLst>
-            </a:blip>
-            <a:srcRect/>
-            <a:stretch>
-              <a:fillRect/>
-            </a:stretch>
-          </p:blipFill>
-          <p:spPr>
-            <a:xfrm>
-              <a:off x="0" y="0"/>
-              <a:ext cx="905010" cy="781600"/>
-            </a:xfrm>
-            <a:prstGeom prst="rect">
-              <a:avLst/>
-            </a:prstGeom>
-          </p:spPr>
-        </p:pic>
-      </p:grpSp>
       <p:grpSp>
         <p:nvGrpSpPr>
           <p:cNvPr id="5" name="Group 5"/>
@@ -8868,7 +9370,7 @@
           <p:nvPr/>
         </p:nvPicPr>
         <p:blipFill>
-          <a:blip r:embed="rId4">
+          <a:blip r:embed="rId2">
             <a:extLst>
               <a:ext uri="{28A0092B-C50C-407E-A947-70E740481C1C}">
                 <a14:useLocalDpi xmlns:a14="http://schemas.microsoft.com/office/drawing/2010/main" val="0"/>
@@ -8894,75 +9396,49 @@
           </a:ln>
         </p:spPr>
       </p:pic>
-    </p:spTree>
-    <p:extLst>
-      <p:ext uri="{BB962C8B-B14F-4D97-AF65-F5344CB8AC3E}">
-        <p14:creationId xmlns:p14="http://schemas.microsoft.com/office/powerpoint/2010/main" val="2498386903"/>
-      </p:ext>
-    </p:extLst>
-  </p:cSld>
-  <p:clrMapOvr>
-    <a:masterClrMapping/>
-  </p:clrMapOvr>
-</p:sld>
-</file>
-
-<file path=ppt/slides/slide18.xml><?xml version="1.0" encoding="utf-8"?>
-<p:sld xmlns:a="http://schemas.openxmlformats.org/drawingml/2006/main" xmlns:r="http://schemas.openxmlformats.org/officeDocument/2006/relationships" xmlns:p="http://schemas.openxmlformats.org/presentationml/2006/main">
-  <p:cSld>
-    <p:bg>
-      <p:bgPr>
-        <a:solidFill>
-          <a:srgbClr val="F4F4F4"/>
-        </a:solidFill>
-        <a:effectLst/>
-      </p:bgPr>
-    </p:bg>
-    <p:spTree>
-      <p:nvGrpSpPr>
-        <p:cNvPr id="1" name=""/>
-        <p:cNvGrpSpPr/>
-        <p:nvPr/>
-      </p:nvGrpSpPr>
-      <p:grpSpPr>
-        <a:xfrm>
-          <a:off x="0" y="0"/>
-          <a:ext cx="0" cy="0"/>
-          <a:chOff x="0" y="0"/>
-          <a:chExt cx="0" cy="0"/>
-        </a:xfrm>
-      </p:grpSpPr>
       <p:grpSp>
         <p:nvGrpSpPr>
-          <p:cNvPr id="2" name="Group 2"/>
+          <p:cNvPr id="15" name="Group 2">
+            <a:extLst>
+              <a:ext uri="{FF2B5EF4-FFF2-40B4-BE49-F238E27FC236}">
+                <a16:creationId xmlns:a16="http://schemas.microsoft.com/office/drawing/2014/main" id="{8E742D86-3CA8-070E-38EB-B889940369F4}"/>
+              </a:ext>
+            </a:extLst>
+          </p:cNvPr>
           <p:cNvGrpSpPr/>
           <p:nvPr/>
         </p:nvGrpSpPr>
         <p:grpSpPr>
           <a:xfrm>
             <a:off x="1028700" y="1028700"/>
-            <a:ext cx="5219700" cy="586200"/>
+            <a:ext cx="4212844" cy="914888"/>
             <a:chOff x="0" y="0"/>
-            <a:chExt cx="6959600" cy="781600"/>
+            <a:chExt cx="5617125" cy="1219850"/>
           </a:xfrm>
         </p:grpSpPr>
         <p:sp>
           <p:nvSpPr>
-            <p:cNvPr id="3" name="TextBox 3"/>
+            <p:cNvPr id="16" name="TextBox 3">
+              <a:extLst>
+                <a:ext uri="{FF2B5EF4-FFF2-40B4-BE49-F238E27FC236}">
+                  <a16:creationId xmlns:a16="http://schemas.microsoft.com/office/drawing/2014/main" id="{D645420A-FE14-F95F-7843-9D6AE975141D}"/>
+                </a:ext>
+              </a:extLst>
+            </p:cNvPr>
             <p:cNvSpPr txBox="1"/>
             <p:nvPr/>
           </p:nvSpPr>
           <p:spPr>
             <a:xfrm>
               <a:off x="1293956" y="104415"/>
-              <a:ext cx="5665644" cy="534078"/>
+              <a:ext cx="4323169" cy="1115435"/>
             </a:xfrm>
             <a:prstGeom prst="rect">
               <a:avLst/>
             </a:prstGeom>
           </p:spPr>
           <p:txBody>
-            <a:bodyPr wrap="square" lIns="0" tIns="0" rIns="0" bIns="0" rtlCol="0" anchor="t">
+            <a:bodyPr lIns="0" tIns="0" rIns="0" bIns="0" rtlCol="0" anchor="t">
               <a:spAutoFit/>
             </a:bodyPr>
             <a:lstStyle/>
@@ -8995,20 +9471,26 @@
         </p:sp>
         <p:pic>
           <p:nvPicPr>
-            <p:cNvPr id="4" name="Picture 4"/>
+            <p:cNvPr id="17" name="Picture 4">
+              <a:extLst>
+                <a:ext uri="{FF2B5EF4-FFF2-40B4-BE49-F238E27FC236}">
+                  <a16:creationId xmlns:a16="http://schemas.microsoft.com/office/drawing/2014/main" id="{EFC28899-505F-131E-FAC1-1DB1F5810F2E}"/>
+                </a:ext>
+              </a:extLst>
+            </p:cNvPr>
             <p:cNvPicPr>
               <a:picLocks noChangeAspect="1"/>
             </p:cNvPicPr>
             <p:nvPr/>
           </p:nvPicPr>
           <p:blipFill>
-            <a:blip r:embed="rId2" cstate="print">
+            <a:blip r:embed="rId3" cstate="print">
               <a:extLst>
                 <a:ext uri="{28A0092B-C50C-407E-A947-70E740481C1C}">
                   <a14:useLocalDpi xmlns:a14="http://schemas.microsoft.com/office/drawing/2010/main" val="0"/>
                 </a:ext>
                 <a:ext uri="{96DAC541-7B7A-43D3-8B79-37D633B846F1}">
-                  <asvg:svgBlip xmlns:asvg="http://schemas.microsoft.com/office/drawing/2016/SVG/main" r:embed="rId3"/>
+                  <asvg:svgBlip xmlns:asvg="http://schemas.microsoft.com/office/drawing/2016/SVG/main" r:embed="rId4"/>
                 </a:ext>
               </a:extLst>
             </a:blip>
@@ -9028,6 +9510,44 @@
           </p:spPr>
         </p:pic>
       </p:grpSp>
+    </p:spTree>
+    <p:extLst>
+      <p:ext uri="{BB962C8B-B14F-4D97-AF65-F5344CB8AC3E}">
+        <p14:creationId xmlns:p14="http://schemas.microsoft.com/office/powerpoint/2010/main" val="2498386903"/>
+      </p:ext>
+    </p:extLst>
+  </p:cSld>
+  <p:clrMapOvr>
+    <a:masterClrMapping/>
+  </p:clrMapOvr>
+</p:sld>
+</file>
+
+<file path=ppt/slides/slide19.xml><?xml version="1.0" encoding="utf-8"?>
+<p:sld xmlns:a="http://schemas.openxmlformats.org/drawingml/2006/main" xmlns:r="http://schemas.openxmlformats.org/officeDocument/2006/relationships" xmlns:p="http://schemas.openxmlformats.org/presentationml/2006/main">
+  <p:cSld>
+    <p:bg>
+      <p:bgPr>
+        <a:solidFill>
+          <a:srgbClr val="F4F4F4"/>
+        </a:solidFill>
+        <a:effectLst/>
+      </p:bgPr>
+    </p:bg>
+    <p:spTree>
+      <p:nvGrpSpPr>
+        <p:cNvPr id="1" name=""/>
+        <p:cNvGrpSpPr/>
+        <p:nvPr/>
+      </p:nvGrpSpPr>
+      <p:grpSpPr>
+        <a:xfrm>
+          <a:off x="0" y="0"/>
+          <a:ext cx="0" cy="0"/>
+          <a:chOff x="0" y="0"/>
+          <a:chExt cx="0" cy="0"/>
+        </a:xfrm>
+      </p:grpSpPr>
       <p:grpSp>
         <p:nvGrpSpPr>
           <p:cNvPr id="5" name="Group 5"/>
@@ -9455,7 +9975,7 @@
           <p:nvPr/>
         </p:nvPicPr>
         <p:blipFill>
-          <a:blip r:embed="rId4">
+          <a:blip r:embed="rId2">
             <a:extLst>
               <a:ext uri="{28A0092B-C50C-407E-A947-70E740481C1C}">
                 <a14:useLocalDpi xmlns:a14="http://schemas.microsoft.com/office/drawing/2010/main" val="0"/>
@@ -9481,6 +10001,120 @@
           </a:ln>
         </p:spPr>
       </p:pic>
+      <p:grpSp>
+        <p:nvGrpSpPr>
+          <p:cNvPr id="14" name="Group 2">
+            <a:extLst>
+              <a:ext uri="{FF2B5EF4-FFF2-40B4-BE49-F238E27FC236}">
+                <a16:creationId xmlns:a16="http://schemas.microsoft.com/office/drawing/2014/main" id="{4EAE5C4B-8CE1-F9A6-0A68-9647910777C9}"/>
+              </a:ext>
+            </a:extLst>
+          </p:cNvPr>
+          <p:cNvGrpSpPr/>
+          <p:nvPr/>
+        </p:nvGrpSpPr>
+        <p:grpSpPr>
+          <a:xfrm>
+            <a:off x="1028700" y="1028700"/>
+            <a:ext cx="4212844" cy="914888"/>
+            <a:chOff x="0" y="0"/>
+            <a:chExt cx="5617125" cy="1219850"/>
+          </a:xfrm>
+        </p:grpSpPr>
+        <p:sp>
+          <p:nvSpPr>
+            <p:cNvPr id="16" name="TextBox 3">
+              <a:extLst>
+                <a:ext uri="{FF2B5EF4-FFF2-40B4-BE49-F238E27FC236}">
+                  <a16:creationId xmlns:a16="http://schemas.microsoft.com/office/drawing/2014/main" id="{6886D1A3-299D-F490-957B-27B4F8BC13FB}"/>
+                </a:ext>
+              </a:extLst>
+            </p:cNvPr>
+            <p:cNvSpPr txBox="1"/>
+            <p:nvPr/>
+          </p:nvSpPr>
+          <p:spPr>
+            <a:xfrm>
+              <a:off x="1293956" y="104415"/>
+              <a:ext cx="4323169" cy="1115435"/>
+            </a:xfrm>
+            <a:prstGeom prst="rect">
+              <a:avLst/>
+            </a:prstGeom>
+          </p:spPr>
+          <p:txBody>
+            <a:bodyPr lIns="0" tIns="0" rIns="0" bIns="0" rtlCol="0" anchor="t">
+              <a:spAutoFit/>
+            </a:bodyPr>
+            <a:lstStyle/>
+            <a:p>
+              <a:pPr>
+                <a:lnSpc>
+                  <a:spcPts val="3359"/>
+                </a:lnSpc>
+                <a:spcBef>
+                  <a:spcPct val="0"/>
+                </a:spcBef>
+              </a:pPr>
+              <a:r>
+                <a:rPr lang="vi-VN" sz="2400" dirty="0">
+                  <a:solidFill>
+                    <a:srgbClr val="000000"/>
+                  </a:solidFill>
+                  <a:latin typeface="Muli Bold"/>
+                </a:rPr>
+                <a:t>Phân tích thiết kế hệ thống</a:t>
+              </a:r>
+              <a:endParaRPr lang="en-US" sz="2400" dirty="0">
+                <a:solidFill>
+                  <a:srgbClr val="000000"/>
+                </a:solidFill>
+                <a:latin typeface="Muli Bold"/>
+              </a:endParaRPr>
+            </a:p>
+          </p:txBody>
+        </p:sp>
+        <p:pic>
+          <p:nvPicPr>
+            <p:cNvPr id="17" name="Picture 4">
+              <a:extLst>
+                <a:ext uri="{FF2B5EF4-FFF2-40B4-BE49-F238E27FC236}">
+                  <a16:creationId xmlns:a16="http://schemas.microsoft.com/office/drawing/2014/main" id="{554D06F8-E82B-2C07-F336-D240F054EE9F}"/>
+                </a:ext>
+              </a:extLst>
+            </p:cNvPr>
+            <p:cNvPicPr>
+              <a:picLocks noChangeAspect="1"/>
+            </p:cNvPicPr>
+            <p:nvPr/>
+          </p:nvPicPr>
+          <p:blipFill>
+            <a:blip r:embed="rId3" cstate="print">
+              <a:extLst>
+                <a:ext uri="{28A0092B-C50C-407E-A947-70E740481C1C}">
+                  <a14:useLocalDpi xmlns:a14="http://schemas.microsoft.com/office/drawing/2010/main" val="0"/>
+                </a:ext>
+                <a:ext uri="{96DAC541-7B7A-43D3-8B79-37D633B846F1}">
+                  <asvg:svgBlip xmlns:asvg="http://schemas.microsoft.com/office/drawing/2016/SVG/main" r:embed="rId4"/>
+                </a:ext>
+              </a:extLst>
+            </a:blip>
+            <a:srcRect/>
+            <a:stretch>
+              <a:fillRect/>
+            </a:stretch>
+          </p:blipFill>
+          <p:spPr>
+            <a:xfrm>
+              <a:off x="0" y="0"/>
+              <a:ext cx="905010" cy="781600"/>
+            </a:xfrm>
+            <a:prstGeom prst="rect">
+              <a:avLst/>
+            </a:prstGeom>
+          </p:spPr>
+        </p:pic>
+      </p:grpSp>
     </p:spTree>
     <p:extLst>
       <p:ext uri="{BB962C8B-B14F-4D97-AF65-F5344CB8AC3E}">
@@ -9494,7 +10128,456 @@
 </p:sld>
 </file>
 
-<file path=ppt/slides/slide19.xml><?xml version="1.0" encoding="utf-8"?>
+<file path=ppt/slides/slide2.xml><?xml version="1.0" encoding="utf-8"?>
+<p:sld xmlns:a="http://schemas.openxmlformats.org/drawingml/2006/main" xmlns:r="http://schemas.openxmlformats.org/officeDocument/2006/relationships" xmlns:p="http://schemas.openxmlformats.org/presentationml/2006/main">
+  <p:cSld>
+    <p:bg>
+      <p:bgPr>
+        <a:solidFill>
+          <a:srgbClr val="004651"/>
+        </a:solidFill>
+        <a:effectLst/>
+      </p:bgPr>
+    </p:bg>
+    <p:spTree>
+      <p:nvGrpSpPr>
+        <p:cNvPr id="1" name=""/>
+        <p:cNvGrpSpPr/>
+        <p:nvPr/>
+      </p:nvGrpSpPr>
+      <p:grpSpPr>
+        <a:xfrm>
+          <a:off x="0" y="0"/>
+          <a:ext cx="0" cy="0"/>
+          <a:chOff x="0" y="0"/>
+          <a:chExt cx="0" cy="0"/>
+        </a:xfrm>
+      </p:grpSpPr>
+      <p:grpSp>
+        <p:nvGrpSpPr>
+          <p:cNvPr id="2" name="Group 2"/>
+          <p:cNvGrpSpPr/>
+          <p:nvPr/>
+        </p:nvGrpSpPr>
+        <p:grpSpPr>
+          <a:xfrm>
+            <a:off x="-2527743" y="-89986"/>
+            <a:ext cx="10138115" cy="8779655"/>
+            <a:chOff x="0" y="0"/>
+            <a:chExt cx="3619627" cy="3134614"/>
+          </a:xfrm>
+        </p:grpSpPr>
+        <p:sp>
+          <p:nvSpPr>
+            <p:cNvPr id="3" name="Freeform 3"/>
+            <p:cNvSpPr/>
+            <p:nvPr/>
+          </p:nvSpPr>
+          <p:spPr>
+            <a:xfrm>
+              <a:off x="0" y="0"/>
+              <a:ext cx="3619627" cy="3134614"/>
+            </a:xfrm>
+            <a:custGeom>
+              <a:avLst/>
+              <a:gdLst/>
+              <a:ahLst/>
+              <a:cxnLst/>
+              <a:rect l="l" t="t" r="r" b="b"/>
+              <a:pathLst>
+                <a:path w="3619627" h="3134614">
+                  <a:moveTo>
+                    <a:pt x="3619627" y="1567307"/>
+                  </a:moveTo>
+                  <a:lnTo>
+                    <a:pt x="2714752" y="3134614"/>
+                  </a:lnTo>
+                  <a:lnTo>
+                    <a:pt x="904875" y="3134614"/>
+                  </a:lnTo>
+                  <a:lnTo>
+                    <a:pt x="0" y="1567307"/>
+                  </a:lnTo>
+                  <a:lnTo>
+                    <a:pt x="904875" y="0"/>
+                  </a:lnTo>
+                  <a:lnTo>
+                    <a:pt x="2714625" y="0"/>
+                  </a:lnTo>
+                  <a:lnTo>
+                    <a:pt x="3619627" y="1567307"/>
+                  </a:lnTo>
+                  <a:close/>
+                </a:path>
+              </a:pathLst>
+            </a:custGeom>
+            <a:solidFill>
+              <a:srgbClr val="00A181"/>
+            </a:solidFill>
+          </p:spPr>
+        </p:sp>
+      </p:grpSp>
+      <p:grpSp>
+        <p:nvGrpSpPr>
+          <p:cNvPr id="4" name="Group 4"/>
+          <p:cNvGrpSpPr/>
+          <p:nvPr/>
+        </p:nvGrpSpPr>
+        <p:grpSpPr>
+          <a:xfrm>
+            <a:off x="2505679" y="5832746"/>
+            <a:ext cx="5966980" cy="5167433"/>
+            <a:chOff x="0" y="0"/>
+            <a:chExt cx="3619627" cy="3134614"/>
+          </a:xfrm>
+        </p:grpSpPr>
+        <p:sp>
+          <p:nvSpPr>
+            <p:cNvPr id="5" name="Freeform 5"/>
+            <p:cNvSpPr/>
+            <p:nvPr/>
+          </p:nvSpPr>
+          <p:spPr>
+            <a:xfrm>
+              <a:off x="0" y="0"/>
+              <a:ext cx="3619627" cy="3134614"/>
+            </a:xfrm>
+            <a:custGeom>
+              <a:avLst/>
+              <a:gdLst/>
+              <a:ahLst/>
+              <a:cxnLst/>
+              <a:rect l="l" t="t" r="r" b="b"/>
+              <a:pathLst>
+                <a:path w="3619627" h="3134614">
+                  <a:moveTo>
+                    <a:pt x="3619627" y="1567307"/>
+                  </a:moveTo>
+                  <a:lnTo>
+                    <a:pt x="2714752" y="3134614"/>
+                  </a:lnTo>
+                  <a:lnTo>
+                    <a:pt x="904875" y="3134614"/>
+                  </a:lnTo>
+                  <a:lnTo>
+                    <a:pt x="0" y="1567307"/>
+                  </a:lnTo>
+                  <a:lnTo>
+                    <a:pt x="904875" y="0"/>
+                  </a:lnTo>
+                  <a:lnTo>
+                    <a:pt x="2714625" y="0"/>
+                  </a:lnTo>
+                  <a:lnTo>
+                    <a:pt x="3619627" y="1567307"/>
+                  </a:lnTo>
+                  <a:close/>
+                </a:path>
+              </a:pathLst>
+            </a:custGeom>
+            <a:solidFill>
+              <a:srgbClr val="A4E473"/>
+            </a:solidFill>
+          </p:spPr>
+        </p:sp>
+      </p:grpSp>
+      <p:sp>
+        <p:nvSpPr>
+          <p:cNvPr id="6" name="TextBox 6"/>
+          <p:cNvSpPr txBox="1"/>
+          <p:nvPr/>
+        </p:nvSpPr>
+        <p:spPr>
+          <a:xfrm>
+            <a:off x="1028700" y="4273437"/>
+            <a:ext cx="7546593" cy="685800"/>
+          </a:xfrm>
+          <a:prstGeom prst="rect">
+            <a:avLst/>
+          </a:prstGeom>
+        </p:spPr>
+        <p:txBody>
+          <a:bodyPr lIns="0" tIns="0" rIns="0" bIns="0" rtlCol="0" anchor="t">
+            <a:spAutoFit/>
+          </a:bodyPr>
+          <a:lstStyle/>
+          <a:p>
+            <a:pPr marL="0" lvl="0" indent="0" algn="l">
+              <a:lnSpc>
+                <a:spcPts val="5459"/>
+              </a:lnSpc>
+              <a:spcBef>
+                <a:spcPct val="0"/>
+              </a:spcBef>
+            </a:pPr>
+            <a:r>
+              <a:rPr lang="en-US" sz="4549" spc="-168">
+                <a:solidFill>
+                  <a:srgbClr val="F4F4F4"/>
+                </a:solidFill>
+                <a:latin typeface="Muli Bold"/>
+              </a:rPr>
+              <a:t>Nội dung thuyết trình</a:t>
+            </a:r>
+          </a:p>
+        </p:txBody>
+      </p:sp>
+      <p:sp>
+        <p:nvSpPr>
+          <p:cNvPr id="7" name="TextBox 7"/>
+          <p:cNvSpPr txBox="1"/>
+          <p:nvPr/>
+        </p:nvSpPr>
+        <p:spPr>
+          <a:xfrm>
+            <a:off x="10820400" y="3788346"/>
+            <a:ext cx="6109328" cy="460960"/>
+          </a:xfrm>
+          <a:prstGeom prst="rect">
+            <a:avLst/>
+          </a:prstGeom>
+        </p:spPr>
+        <p:txBody>
+          <a:bodyPr lIns="0" tIns="0" rIns="0" bIns="0" rtlCol="0" anchor="t">
+            <a:spAutoFit/>
+          </a:bodyPr>
+          <a:lstStyle/>
+          <a:p>
+            <a:pPr marL="604519" lvl="1" indent="-302260">
+              <a:lnSpc>
+                <a:spcPts val="3919"/>
+              </a:lnSpc>
+              <a:buFont typeface="Arial"/>
+              <a:buChar char="•"/>
+            </a:pPr>
+            <a:r>
+              <a:rPr lang="vi-VN" sz="2799" dirty="0">
+                <a:solidFill>
+                  <a:srgbClr val="F4F4F4"/>
+                </a:solidFill>
+                <a:latin typeface="Muli Regular"/>
+              </a:rPr>
+              <a:t>Giới thiệu về đề tài</a:t>
+            </a:r>
+            <a:endParaRPr lang="en-US" sz="2799" dirty="0">
+              <a:solidFill>
+                <a:srgbClr val="F4F4F4"/>
+              </a:solidFill>
+              <a:latin typeface="Muli Regular"/>
+            </a:endParaRPr>
+          </a:p>
+        </p:txBody>
+      </p:sp>
+      <p:sp>
+        <p:nvSpPr>
+          <p:cNvPr id="8" name="TextBox 8"/>
+          <p:cNvSpPr txBox="1"/>
+          <p:nvPr/>
+        </p:nvSpPr>
+        <p:spPr>
+          <a:xfrm>
+            <a:off x="10820400" y="4498277"/>
+            <a:ext cx="6109328" cy="460960"/>
+          </a:xfrm>
+          <a:prstGeom prst="rect">
+            <a:avLst/>
+          </a:prstGeom>
+        </p:spPr>
+        <p:txBody>
+          <a:bodyPr lIns="0" tIns="0" rIns="0" bIns="0" rtlCol="0" anchor="t">
+            <a:spAutoFit/>
+          </a:bodyPr>
+          <a:lstStyle/>
+          <a:p>
+            <a:pPr marL="604519" lvl="1" indent="-302260" algn="just">
+              <a:lnSpc>
+                <a:spcPts val="3919"/>
+              </a:lnSpc>
+              <a:buFont typeface="Arial"/>
+              <a:buChar char="•"/>
+            </a:pPr>
+            <a:r>
+              <a:rPr lang="vi-VN" sz="2799" dirty="0">
+                <a:solidFill>
+                  <a:srgbClr val="F4F4F4"/>
+                </a:solidFill>
+                <a:latin typeface="Muli Regular"/>
+              </a:rPr>
+              <a:t>Khảo sát và cơ sở lý thuyết</a:t>
+            </a:r>
+            <a:endParaRPr lang="en-US" sz="2799" dirty="0">
+              <a:solidFill>
+                <a:srgbClr val="F4F4F4"/>
+              </a:solidFill>
+              <a:latin typeface="Muli Regular"/>
+            </a:endParaRPr>
+          </a:p>
+        </p:txBody>
+      </p:sp>
+      <p:sp>
+        <p:nvSpPr>
+          <p:cNvPr id="9" name="TextBox 9"/>
+          <p:cNvSpPr txBox="1"/>
+          <p:nvPr/>
+        </p:nvSpPr>
+        <p:spPr>
+          <a:xfrm>
+            <a:off x="10844981" y="5918139"/>
+            <a:ext cx="6109328" cy="460960"/>
+          </a:xfrm>
+          <a:prstGeom prst="rect">
+            <a:avLst/>
+          </a:prstGeom>
+        </p:spPr>
+        <p:txBody>
+          <a:bodyPr lIns="0" tIns="0" rIns="0" bIns="0" rtlCol="0" anchor="t">
+            <a:spAutoFit/>
+          </a:bodyPr>
+          <a:lstStyle/>
+          <a:p>
+            <a:pPr marL="604519" lvl="1" indent="-302260">
+              <a:lnSpc>
+                <a:spcPts val="3919"/>
+              </a:lnSpc>
+              <a:buFont typeface="Arial"/>
+              <a:buChar char="•"/>
+            </a:pPr>
+            <a:r>
+              <a:rPr lang="en-US" sz="2799" dirty="0" err="1">
+                <a:solidFill>
+                  <a:srgbClr val="F4F4F4"/>
+                </a:solidFill>
+                <a:latin typeface="Muli Regular"/>
+              </a:rPr>
+              <a:t>Phân</a:t>
+            </a:r>
+            <a:r>
+              <a:rPr lang="en-US" sz="2799" dirty="0">
+                <a:solidFill>
+                  <a:srgbClr val="F4F4F4"/>
+                </a:solidFill>
+                <a:latin typeface="Muli Regular"/>
+              </a:rPr>
+              <a:t> </a:t>
+            </a:r>
+            <a:r>
+              <a:rPr lang="en-US" sz="2799" dirty="0" err="1">
+                <a:solidFill>
+                  <a:srgbClr val="F4F4F4"/>
+                </a:solidFill>
+                <a:latin typeface="Muli Regular"/>
+              </a:rPr>
+              <a:t>tích</a:t>
+            </a:r>
+            <a:r>
+              <a:rPr lang="en-US" sz="2799" dirty="0">
+                <a:solidFill>
+                  <a:srgbClr val="F4F4F4"/>
+                </a:solidFill>
+                <a:latin typeface="Muli Regular"/>
+              </a:rPr>
+              <a:t> </a:t>
+            </a:r>
+            <a:r>
+              <a:rPr lang="en-US" sz="2799" dirty="0" err="1">
+                <a:solidFill>
+                  <a:srgbClr val="F4F4F4"/>
+                </a:solidFill>
+                <a:latin typeface="Muli Regular"/>
+              </a:rPr>
+              <a:t>thiết</a:t>
+            </a:r>
+            <a:r>
+              <a:rPr lang="en-US" sz="2799" dirty="0">
+                <a:solidFill>
+                  <a:srgbClr val="F4F4F4"/>
+                </a:solidFill>
+                <a:latin typeface="Muli Regular"/>
+              </a:rPr>
+              <a:t> </a:t>
+            </a:r>
+            <a:r>
+              <a:rPr lang="en-US" sz="2799" dirty="0" err="1">
+                <a:solidFill>
+                  <a:srgbClr val="F4F4F4"/>
+                </a:solidFill>
+                <a:latin typeface="Muli Regular"/>
+              </a:rPr>
+              <a:t>kế</a:t>
+            </a:r>
+            <a:r>
+              <a:rPr lang="vi-VN" sz="2799" dirty="0">
+                <a:solidFill>
+                  <a:srgbClr val="F4F4F4"/>
+                </a:solidFill>
+                <a:latin typeface="Muli Regular"/>
+              </a:rPr>
+              <a:t> hệ thống</a:t>
+            </a:r>
+            <a:endParaRPr lang="en-US" sz="2799" dirty="0">
+              <a:solidFill>
+                <a:srgbClr val="F4F4F4"/>
+              </a:solidFill>
+              <a:latin typeface="Muli Regular"/>
+            </a:endParaRPr>
+          </a:p>
+        </p:txBody>
+      </p:sp>
+      <p:sp>
+        <p:nvSpPr>
+          <p:cNvPr id="10" name="TextBox 10"/>
+          <p:cNvSpPr txBox="1"/>
+          <p:nvPr/>
+        </p:nvSpPr>
+        <p:spPr>
+          <a:xfrm>
+            <a:off x="10844981" y="5208208"/>
+            <a:ext cx="6109328" cy="460960"/>
+          </a:xfrm>
+          <a:prstGeom prst="rect">
+            <a:avLst/>
+          </a:prstGeom>
+        </p:spPr>
+        <p:txBody>
+          <a:bodyPr lIns="0" tIns="0" rIns="0" bIns="0" rtlCol="0" anchor="t">
+            <a:spAutoFit/>
+          </a:bodyPr>
+          <a:lstStyle/>
+          <a:p>
+            <a:pPr marL="604519" lvl="1" indent="-302260">
+              <a:lnSpc>
+                <a:spcPts val="3919"/>
+              </a:lnSpc>
+              <a:buFont typeface="Arial"/>
+              <a:buChar char="•"/>
+            </a:pPr>
+            <a:r>
+              <a:rPr lang="vi-VN" sz="2799" dirty="0">
+                <a:solidFill>
+                  <a:srgbClr val="F4F4F4"/>
+                </a:solidFill>
+                <a:latin typeface="Muli Regular"/>
+              </a:rPr>
+              <a:t>Mô hình hóa yêu cầu</a:t>
+            </a:r>
+            <a:endParaRPr lang="en-US" sz="2799" dirty="0">
+              <a:solidFill>
+                <a:srgbClr val="F4F4F4"/>
+              </a:solidFill>
+              <a:latin typeface="Muli Regular"/>
+            </a:endParaRPr>
+          </a:p>
+        </p:txBody>
+      </p:sp>
+    </p:spTree>
+  </p:cSld>
+  <p:clrMapOvr>
+    <a:masterClrMapping/>
+  </p:clrMapOvr>
+</p:sld>
+</file>
+
+<file path=ppt/slides/slide20.xml><?xml version="1.0" encoding="utf-8"?>
 <p:sld xmlns:a="http://schemas.openxmlformats.org/drawingml/2006/main" xmlns:r="http://schemas.openxmlformats.org/officeDocument/2006/relationships" xmlns:p="http://schemas.openxmlformats.org/presentationml/2006/main">
   <p:cSld>
     <p:bg>
@@ -11932,455 +13015,6 @@
 </p:sld>
 </file>
 
-<file path=ppt/slides/slide2.xml><?xml version="1.0" encoding="utf-8"?>
-<p:sld xmlns:a="http://schemas.openxmlformats.org/drawingml/2006/main" xmlns:r="http://schemas.openxmlformats.org/officeDocument/2006/relationships" xmlns:p="http://schemas.openxmlformats.org/presentationml/2006/main">
-  <p:cSld>
-    <p:bg>
-      <p:bgPr>
-        <a:solidFill>
-          <a:srgbClr val="004651"/>
-        </a:solidFill>
-        <a:effectLst/>
-      </p:bgPr>
-    </p:bg>
-    <p:spTree>
-      <p:nvGrpSpPr>
-        <p:cNvPr id="1" name=""/>
-        <p:cNvGrpSpPr/>
-        <p:nvPr/>
-      </p:nvGrpSpPr>
-      <p:grpSpPr>
-        <a:xfrm>
-          <a:off x="0" y="0"/>
-          <a:ext cx="0" cy="0"/>
-          <a:chOff x="0" y="0"/>
-          <a:chExt cx="0" cy="0"/>
-        </a:xfrm>
-      </p:grpSpPr>
-      <p:grpSp>
-        <p:nvGrpSpPr>
-          <p:cNvPr id="2" name="Group 2"/>
-          <p:cNvGrpSpPr/>
-          <p:nvPr/>
-        </p:nvGrpSpPr>
-        <p:grpSpPr>
-          <a:xfrm>
-            <a:off x="-2527743" y="-89986"/>
-            <a:ext cx="10138115" cy="8779655"/>
-            <a:chOff x="0" y="0"/>
-            <a:chExt cx="3619627" cy="3134614"/>
-          </a:xfrm>
-        </p:grpSpPr>
-        <p:sp>
-          <p:nvSpPr>
-            <p:cNvPr id="3" name="Freeform 3"/>
-            <p:cNvSpPr/>
-            <p:nvPr/>
-          </p:nvSpPr>
-          <p:spPr>
-            <a:xfrm>
-              <a:off x="0" y="0"/>
-              <a:ext cx="3619627" cy="3134614"/>
-            </a:xfrm>
-            <a:custGeom>
-              <a:avLst/>
-              <a:gdLst/>
-              <a:ahLst/>
-              <a:cxnLst/>
-              <a:rect l="l" t="t" r="r" b="b"/>
-              <a:pathLst>
-                <a:path w="3619627" h="3134614">
-                  <a:moveTo>
-                    <a:pt x="3619627" y="1567307"/>
-                  </a:moveTo>
-                  <a:lnTo>
-                    <a:pt x="2714752" y="3134614"/>
-                  </a:lnTo>
-                  <a:lnTo>
-                    <a:pt x="904875" y="3134614"/>
-                  </a:lnTo>
-                  <a:lnTo>
-                    <a:pt x="0" y="1567307"/>
-                  </a:lnTo>
-                  <a:lnTo>
-                    <a:pt x="904875" y="0"/>
-                  </a:lnTo>
-                  <a:lnTo>
-                    <a:pt x="2714625" y="0"/>
-                  </a:lnTo>
-                  <a:lnTo>
-                    <a:pt x="3619627" y="1567307"/>
-                  </a:lnTo>
-                  <a:close/>
-                </a:path>
-              </a:pathLst>
-            </a:custGeom>
-            <a:solidFill>
-              <a:srgbClr val="00A181"/>
-            </a:solidFill>
-          </p:spPr>
-        </p:sp>
-      </p:grpSp>
-      <p:grpSp>
-        <p:nvGrpSpPr>
-          <p:cNvPr id="4" name="Group 4"/>
-          <p:cNvGrpSpPr/>
-          <p:nvPr/>
-        </p:nvGrpSpPr>
-        <p:grpSpPr>
-          <a:xfrm>
-            <a:off x="2505679" y="5832746"/>
-            <a:ext cx="5966980" cy="5167433"/>
-            <a:chOff x="0" y="0"/>
-            <a:chExt cx="3619627" cy="3134614"/>
-          </a:xfrm>
-        </p:grpSpPr>
-        <p:sp>
-          <p:nvSpPr>
-            <p:cNvPr id="5" name="Freeform 5"/>
-            <p:cNvSpPr/>
-            <p:nvPr/>
-          </p:nvSpPr>
-          <p:spPr>
-            <a:xfrm>
-              <a:off x="0" y="0"/>
-              <a:ext cx="3619627" cy="3134614"/>
-            </a:xfrm>
-            <a:custGeom>
-              <a:avLst/>
-              <a:gdLst/>
-              <a:ahLst/>
-              <a:cxnLst/>
-              <a:rect l="l" t="t" r="r" b="b"/>
-              <a:pathLst>
-                <a:path w="3619627" h="3134614">
-                  <a:moveTo>
-                    <a:pt x="3619627" y="1567307"/>
-                  </a:moveTo>
-                  <a:lnTo>
-                    <a:pt x="2714752" y="3134614"/>
-                  </a:lnTo>
-                  <a:lnTo>
-                    <a:pt x="904875" y="3134614"/>
-                  </a:lnTo>
-                  <a:lnTo>
-                    <a:pt x="0" y="1567307"/>
-                  </a:lnTo>
-                  <a:lnTo>
-                    <a:pt x="904875" y="0"/>
-                  </a:lnTo>
-                  <a:lnTo>
-                    <a:pt x="2714625" y="0"/>
-                  </a:lnTo>
-                  <a:lnTo>
-                    <a:pt x="3619627" y="1567307"/>
-                  </a:lnTo>
-                  <a:close/>
-                </a:path>
-              </a:pathLst>
-            </a:custGeom>
-            <a:solidFill>
-              <a:srgbClr val="A4E473"/>
-            </a:solidFill>
-          </p:spPr>
-        </p:sp>
-      </p:grpSp>
-      <p:sp>
-        <p:nvSpPr>
-          <p:cNvPr id="6" name="TextBox 6"/>
-          <p:cNvSpPr txBox="1"/>
-          <p:nvPr/>
-        </p:nvSpPr>
-        <p:spPr>
-          <a:xfrm>
-            <a:off x="1028700" y="4273437"/>
-            <a:ext cx="7546593" cy="685800"/>
-          </a:xfrm>
-          <a:prstGeom prst="rect">
-            <a:avLst/>
-          </a:prstGeom>
-        </p:spPr>
-        <p:txBody>
-          <a:bodyPr lIns="0" tIns="0" rIns="0" bIns="0" rtlCol="0" anchor="t">
-            <a:spAutoFit/>
-          </a:bodyPr>
-          <a:lstStyle/>
-          <a:p>
-            <a:pPr marL="0" lvl="0" indent="0" algn="l">
-              <a:lnSpc>
-                <a:spcPts val="5459"/>
-              </a:lnSpc>
-              <a:spcBef>
-                <a:spcPct val="0"/>
-              </a:spcBef>
-            </a:pPr>
-            <a:r>
-              <a:rPr lang="en-US" sz="4549" spc="-168">
-                <a:solidFill>
-                  <a:srgbClr val="F4F4F4"/>
-                </a:solidFill>
-                <a:latin typeface="Muli Bold"/>
-              </a:rPr>
-              <a:t>Nội dung thuyết trình</a:t>
-            </a:r>
-          </a:p>
-        </p:txBody>
-      </p:sp>
-      <p:sp>
-        <p:nvSpPr>
-          <p:cNvPr id="7" name="TextBox 7"/>
-          <p:cNvSpPr txBox="1"/>
-          <p:nvPr/>
-        </p:nvSpPr>
-        <p:spPr>
-          <a:xfrm>
-            <a:off x="10820400" y="3788346"/>
-            <a:ext cx="6109328" cy="460960"/>
-          </a:xfrm>
-          <a:prstGeom prst="rect">
-            <a:avLst/>
-          </a:prstGeom>
-        </p:spPr>
-        <p:txBody>
-          <a:bodyPr lIns="0" tIns="0" rIns="0" bIns="0" rtlCol="0" anchor="t">
-            <a:spAutoFit/>
-          </a:bodyPr>
-          <a:lstStyle/>
-          <a:p>
-            <a:pPr marL="604519" lvl="1" indent="-302260">
-              <a:lnSpc>
-                <a:spcPts val="3919"/>
-              </a:lnSpc>
-              <a:buFont typeface="Arial"/>
-              <a:buChar char="•"/>
-            </a:pPr>
-            <a:r>
-              <a:rPr lang="vi-VN" sz="2799" dirty="0">
-                <a:solidFill>
-                  <a:srgbClr val="F4F4F4"/>
-                </a:solidFill>
-                <a:latin typeface="Muli Regular"/>
-              </a:rPr>
-              <a:t>Giới thiệu về đề tài</a:t>
-            </a:r>
-            <a:endParaRPr lang="en-US" sz="2799" dirty="0">
-              <a:solidFill>
-                <a:srgbClr val="F4F4F4"/>
-              </a:solidFill>
-              <a:latin typeface="Muli Regular"/>
-            </a:endParaRPr>
-          </a:p>
-        </p:txBody>
-      </p:sp>
-      <p:sp>
-        <p:nvSpPr>
-          <p:cNvPr id="8" name="TextBox 8"/>
-          <p:cNvSpPr txBox="1"/>
-          <p:nvPr/>
-        </p:nvSpPr>
-        <p:spPr>
-          <a:xfrm>
-            <a:off x="10820400" y="4498277"/>
-            <a:ext cx="6109328" cy="460960"/>
-          </a:xfrm>
-          <a:prstGeom prst="rect">
-            <a:avLst/>
-          </a:prstGeom>
-        </p:spPr>
-        <p:txBody>
-          <a:bodyPr lIns="0" tIns="0" rIns="0" bIns="0" rtlCol="0" anchor="t">
-            <a:spAutoFit/>
-          </a:bodyPr>
-          <a:lstStyle/>
-          <a:p>
-            <a:pPr marL="604519" lvl="1" indent="-302260" algn="just">
-              <a:lnSpc>
-                <a:spcPts val="3919"/>
-              </a:lnSpc>
-              <a:buFont typeface="Arial"/>
-              <a:buChar char="•"/>
-            </a:pPr>
-            <a:r>
-              <a:rPr lang="vi-VN" sz="2799" dirty="0">
-                <a:solidFill>
-                  <a:srgbClr val="F4F4F4"/>
-                </a:solidFill>
-                <a:latin typeface="Muli Regular"/>
-              </a:rPr>
-              <a:t>Khảo sát và cơ sở lý thuyết</a:t>
-            </a:r>
-            <a:endParaRPr lang="en-US" sz="2799" dirty="0">
-              <a:solidFill>
-                <a:srgbClr val="F4F4F4"/>
-              </a:solidFill>
-              <a:latin typeface="Muli Regular"/>
-            </a:endParaRPr>
-          </a:p>
-        </p:txBody>
-      </p:sp>
-      <p:sp>
-        <p:nvSpPr>
-          <p:cNvPr id="9" name="TextBox 9"/>
-          <p:cNvSpPr txBox="1"/>
-          <p:nvPr/>
-        </p:nvSpPr>
-        <p:spPr>
-          <a:xfrm>
-            <a:off x="10844981" y="5918139"/>
-            <a:ext cx="6109328" cy="460960"/>
-          </a:xfrm>
-          <a:prstGeom prst="rect">
-            <a:avLst/>
-          </a:prstGeom>
-        </p:spPr>
-        <p:txBody>
-          <a:bodyPr lIns="0" tIns="0" rIns="0" bIns="0" rtlCol="0" anchor="t">
-            <a:spAutoFit/>
-          </a:bodyPr>
-          <a:lstStyle/>
-          <a:p>
-            <a:pPr marL="604519" lvl="1" indent="-302260">
-              <a:lnSpc>
-                <a:spcPts val="3919"/>
-              </a:lnSpc>
-              <a:buFont typeface="Arial"/>
-              <a:buChar char="•"/>
-            </a:pPr>
-            <a:r>
-              <a:rPr lang="en-US" sz="2799" dirty="0" err="1">
-                <a:solidFill>
-                  <a:srgbClr val="F4F4F4"/>
-                </a:solidFill>
-                <a:latin typeface="Muli Regular"/>
-              </a:rPr>
-              <a:t>Phân</a:t>
-            </a:r>
-            <a:r>
-              <a:rPr lang="en-US" sz="2799" dirty="0">
-                <a:solidFill>
-                  <a:srgbClr val="F4F4F4"/>
-                </a:solidFill>
-                <a:latin typeface="Muli Regular"/>
-              </a:rPr>
-              <a:t> </a:t>
-            </a:r>
-            <a:r>
-              <a:rPr lang="en-US" sz="2799" dirty="0" err="1">
-                <a:solidFill>
-                  <a:srgbClr val="F4F4F4"/>
-                </a:solidFill>
-                <a:latin typeface="Muli Regular"/>
-              </a:rPr>
-              <a:t>tích</a:t>
-            </a:r>
-            <a:r>
-              <a:rPr lang="en-US" sz="2799" dirty="0">
-                <a:solidFill>
-                  <a:srgbClr val="F4F4F4"/>
-                </a:solidFill>
-                <a:latin typeface="Muli Regular"/>
-              </a:rPr>
-              <a:t> </a:t>
-            </a:r>
-            <a:r>
-              <a:rPr lang="en-US" sz="2799" dirty="0" err="1">
-                <a:solidFill>
-                  <a:srgbClr val="F4F4F4"/>
-                </a:solidFill>
-                <a:latin typeface="Muli Regular"/>
-              </a:rPr>
-              <a:t>thiết</a:t>
-            </a:r>
-            <a:r>
-              <a:rPr lang="en-US" sz="2799" dirty="0">
-                <a:solidFill>
-                  <a:srgbClr val="F4F4F4"/>
-                </a:solidFill>
-                <a:latin typeface="Muli Regular"/>
-              </a:rPr>
-              <a:t> </a:t>
-            </a:r>
-            <a:r>
-              <a:rPr lang="en-US" sz="2799" dirty="0" err="1">
-                <a:solidFill>
-                  <a:srgbClr val="F4F4F4"/>
-                </a:solidFill>
-                <a:latin typeface="Muli Regular"/>
-              </a:rPr>
-              <a:t>kế</a:t>
-            </a:r>
-            <a:r>
-              <a:rPr lang="vi-VN" sz="2799" dirty="0">
-                <a:solidFill>
-                  <a:srgbClr val="F4F4F4"/>
-                </a:solidFill>
-                <a:latin typeface="Muli Regular"/>
-              </a:rPr>
-              <a:t> hệ thống</a:t>
-            </a:r>
-            <a:endParaRPr lang="en-US" sz="2799" dirty="0">
-              <a:solidFill>
-                <a:srgbClr val="F4F4F4"/>
-              </a:solidFill>
-              <a:latin typeface="Muli Regular"/>
-            </a:endParaRPr>
-          </a:p>
-        </p:txBody>
-      </p:sp>
-      <p:sp>
-        <p:nvSpPr>
-          <p:cNvPr id="10" name="TextBox 10"/>
-          <p:cNvSpPr txBox="1"/>
-          <p:nvPr/>
-        </p:nvSpPr>
-        <p:spPr>
-          <a:xfrm>
-            <a:off x="10844981" y="5208208"/>
-            <a:ext cx="6109328" cy="460960"/>
-          </a:xfrm>
-          <a:prstGeom prst="rect">
-            <a:avLst/>
-          </a:prstGeom>
-        </p:spPr>
-        <p:txBody>
-          <a:bodyPr lIns="0" tIns="0" rIns="0" bIns="0" rtlCol="0" anchor="t">
-            <a:spAutoFit/>
-          </a:bodyPr>
-          <a:lstStyle/>
-          <a:p>
-            <a:pPr marL="604519" lvl="1" indent="-302260">
-              <a:lnSpc>
-                <a:spcPts val="3919"/>
-              </a:lnSpc>
-              <a:buFont typeface="Arial"/>
-              <a:buChar char="•"/>
-            </a:pPr>
-            <a:r>
-              <a:rPr lang="vi-VN" sz="2799" dirty="0">
-                <a:solidFill>
-                  <a:srgbClr val="F4F4F4"/>
-                </a:solidFill>
-                <a:latin typeface="Muli Regular"/>
-              </a:rPr>
-              <a:t>Mô hình hóa yêu cầu</a:t>
-            </a:r>
-            <a:endParaRPr lang="en-US" sz="2799" dirty="0">
-              <a:solidFill>
-                <a:srgbClr val="F4F4F4"/>
-              </a:solidFill>
-              <a:latin typeface="Muli Regular"/>
-            </a:endParaRPr>
-          </a:p>
-        </p:txBody>
-      </p:sp>
-    </p:spTree>
-  </p:cSld>
-  <p:clrMapOvr>
-    <a:masterClrMapping/>
-  </p:clrMapOvr>
-</p:sld>
-</file>
-
 <file path=ppt/slides/slide3.xml><?xml version="1.0" encoding="utf-8"?>
 <p:sld xmlns:a="http://schemas.openxmlformats.org/drawingml/2006/main" xmlns:r="http://schemas.openxmlformats.org/officeDocument/2006/relationships" xmlns:p="http://schemas.openxmlformats.org/presentationml/2006/main">
   <p:cSld>
@@ -13592,6 +14226,427 @@
     <p:bg>
       <p:bgPr>
         <a:solidFill>
+          <a:srgbClr val="004651"/>
+        </a:solidFill>
+        <a:effectLst/>
+      </p:bgPr>
+    </p:bg>
+    <p:spTree>
+      <p:nvGrpSpPr>
+        <p:cNvPr id="1" name=""/>
+        <p:cNvGrpSpPr/>
+        <p:nvPr/>
+      </p:nvGrpSpPr>
+      <p:grpSpPr>
+        <a:xfrm>
+          <a:off x="0" y="0"/>
+          <a:ext cx="0" cy="0"/>
+          <a:chOff x="0" y="0"/>
+          <a:chExt cx="0" cy="0"/>
+        </a:xfrm>
+      </p:grpSpPr>
+      <p:grpSp>
+        <p:nvGrpSpPr>
+          <p:cNvPr id="2" name="Group 2"/>
+          <p:cNvGrpSpPr/>
+          <p:nvPr/>
+        </p:nvGrpSpPr>
+        <p:grpSpPr>
+          <a:xfrm>
+            <a:off x="13585950" y="-517425"/>
+            <a:ext cx="6210236" cy="5378093"/>
+            <a:chOff x="0" y="0"/>
+            <a:chExt cx="3619627" cy="3134614"/>
+          </a:xfrm>
+        </p:grpSpPr>
+        <p:sp>
+          <p:nvSpPr>
+            <p:cNvPr id="3" name="Freeform 3"/>
+            <p:cNvSpPr/>
+            <p:nvPr/>
+          </p:nvSpPr>
+          <p:spPr>
+            <a:xfrm>
+              <a:off x="0" y="0"/>
+              <a:ext cx="3619627" cy="3134614"/>
+            </a:xfrm>
+            <a:custGeom>
+              <a:avLst/>
+              <a:gdLst/>
+              <a:ahLst/>
+              <a:cxnLst/>
+              <a:rect l="l" t="t" r="r" b="b"/>
+              <a:pathLst>
+                <a:path w="3619627" h="3134614">
+                  <a:moveTo>
+                    <a:pt x="3619627" y="1567307"/>
+                  </a:moveTo>
+                  <a:lnTo>
+                    <a:pt x="2714752" y="3134614"/>
+                  </a:lnTo>
+                  <a:lnTo>
+                    <a:pt x="904875" y="3134614"/>
+                  </a:lnTo>
+                  <a:lnTo>
+                    <a:pt x="0" y="1567307"/>
+                  </a:lnTo>
+                  <a:lnTo>
+                    <a:pt x="904875" y="0"/>
+                  </a:lnTo>
+                  <a:lnTo>
+                    <a:pt x="2714625" y="0"/>
+                  </a:lnTo>
+                  <a:lnTo>
+                    <a:pt x="3619627" y="1567307"/>
+                  </a:lnTo>
+                  <a:close/>
+                </a:path>
+              </a:pathLst>
+            </a:custGeom>
+            <a:solidFill>
+              <a:srgbClr val="00A181"/>
+            </a:solidFill>
+          </p:spPr>
+        </p:sp>
+      </p:grpSp>
+      <p:grpSp>
+        <p:nvGrpSpPr>
+          <p:cNvPr id="4" name="Group 4"/>
+          <p:cNvGrpSpPr/>
+          <p:nvPr/>
+        </p:nvGrpSpPr>
+        <p:grpSpPr>
+          <a:xfrm>
+            <a:off x="12009993" y="306851"/>
+            <a:ext cx="3151914" cy="2729572"/>
+            <a:chOff x="0" y="0"/>
+            <a:chExt cx="3619627" cy="3134614"/>
+          </a:xfrm>
+        </p:grpSpPr>
+        <p:sp>
+          <p:nvSpPr>
+            <p:cNvPr id="5" name="Freeform 5"/>
+            <p:cNvSpPr/>
+            <p:nvPr/>
+          </p:nvSpPr>
+          <p:spPr>
+            <a:xfrm>
+              <a:off x="0" y="0"/>
+              <a:ext cx="3619627" cy="3134614"/>
+            </a:xfrm>
+            <a:custGeom>
+              <a:avLst/>
+              <a:gdLst/>
+              <a:ahLst/>
+              <a:cxnLst/>
+              <a:rect l="l" t="t" r="r" b="b"/>
+              <a:pathLst>
+                <a:path w="3619627" h="3134614">
+                  <a:moveTo>
+                    <a:pt x="3619627" y="1567307"/>
+                  </a:moveTo>
+                  <a:lnTo>
+                    <a:pt x="2714752" y="3134614"/>
+                  </a:lnTo>
+                  <a:lnTo>
+                    <a:pt x="904875" y="3134614"/>
+                  </a:lnTo>
+                  <a:lnTo>
+                    <a:pt x="0" y="1567307"/>
+                  </a:lnTo>
+                  <a:lnTo>
+                    <a:pt x="904875" y="0"/>
+                  </a:lnTo>
+                  <a:lnTo>
+                    <a:pt x="2714625" y="0"/>
+                  </a:lnTo>
+                  <a:lnTo>
+                    <a:pt x="3619627" y="1567307"/>
+                  </a:lnTo>
+                  <a:close/>
+                </a:path>
+              </a:pathLst>
+            </a:custGeom>
+            <a:solidFill>
+              <a:srgbClr val="A4E473"/>
+            </a:solidFill>
+          </p:spPr>
+        </p:sp>
+      </p:grpSp>
+      <p:sp>
+        <p:nvSpPr>
+          <p:cNvPr id="6" name="TextBox 6"/>
+          <p:cNvSpPr txBox="1"/>
+          <p:nvPr/>
+        </p:nvSpPr>
+        <p:spPr>
+          <a:xfrm>
+            <a:off x="1028700" y="1028700"/>
+            <a:ext cx="8614905" cy="866775"/>
+          </a:xfrm>
+          <a:prstGeom prst="rect">
+            <a:avLst/>
+          </a:prstGeom>
+        </p:spPr>
+        <p:txBody>
+          <a:bodyPr lIns="0" tIns="0" rIns="0" bIns="0" rtlCol="0" anchor="t">
+            <a:spAutoFit/>
+          </a:bodyPr>
+          <a:lstStyle/>
+          <a:p>
+            <a:pPr>
+              <a:lnSpc>
+                <a:spcPts val="6869"/>
+              </a:lnSpc>
+              <a:spcBef>
+                <a:spcPct val="0"/>
+              </a:spcBef>
+            </a:pPr>
+            <a:r>
+              <a:rPr lang="vi-VN" sz="5724" spc="-57" dirty="0">
+                <a:solidFill>
+                  <a:srgbClr val="F4F4F4"/>
+                </a:solidFill>
+                <a:latin typeface="Muli Bold"/>
+              </a:rPr>
+              <a:t>Phân công</a:t>
+            </a:r>
+            <a:endParaRPr lang="en-US" sz="5724" spc="-57" dirty="0">
+              <a:solidFill>
+                <a:srgbClr val="F4F4F4"/>
+              </a:solidFill>
+              <a:latin typeface="Muli Bold"/>
+            </a:endParaRPr>
+          </a:p>
+        </p:txBody>
+      </p:sp>
+      <p:sp>
+        <p:nvSpPr>
+          <p:cNvPr id="7" name="TextBox 7"/>
+          <p:cNvSpPr txBox="1"/>
+          <p:nvPr/>
+        </p:nvSpPr>
+        <p:spPr>
+          <a:xfrm>
+            <a:off x="1752600" y="2478806"/>
+            <a:ext cx="8119103" cy="2262158"/>
+          </a:xfrm>
+          <a:prstGeom prst="rect">
+            <a:avLst/>
+          </a:prstGeom>
+        </p:spPr>
+        <p:txBody>
+          <a:bodyPr wrap="square" lIns="0" tIns="0" rIns="0" bIns="0" rtlCol="0" anchor="t">
+            <a:spAutoFit/>
+          </a:bodyPr>
+          <a:lstStyle/>
+          <a:p>
+            <a:pPr>
+              <a:lnSpc>
+                <a:spcPts val="4479"/>
+              </a:lnSpc>
+            </a:pPr>
+            <a:r>
+              <a:rPr lang="vi-VN" sz="3199" dirty="0" err="1">
+                <a:solidFill>
+                  <a:srgbClr val="F4F4F4"/>
+                </a:solidFill>
+                <a:latin typeface="Muli Regular"/>
+              </a:rPr>
+              <a:t>Back-end</a:t>
+            </a:r>
+            <a:r>
+              <a:rPr lang="vi-VN" sz="3199" dirty="0">
+                <a:solidFill>
+                  <a:srgbClr val="F4F4F4"/>
+                </a:solidFill>
+                <a:latin typeface="Muli Regular"/>
+              </a:rPr>
+              <a:t>:</a:t>
+            </a:r>
+          </a:p>
+          <a:p>
+            <a:pPr marL="457200" indent="-457200">
+              <a:lnSpc>
+                <a:spcPts val="4479"/>
+              </a:lnSpc>
+              <a:buFont typeface="Arial" panose="020B0604020202020204" pitchFamily="34" charset="0"/>
+              <a:buChar char="•"/>
+            </a:pPr>
+            <a:r>
+              <a:rPr lang="vi-VN" sz="3199" dirty="0">
+                <a:solidFill>
+                  <a:srgbClr val="F4F4F4"/>
+                </a:solidFill>
+                <a:latin typeface="Muli Regular"/>
+              </a:rPr>
+              <a:t>Dương Quang Đức</a:t>
+            </a:r>
+          </a:p>
+          <a:p>
+            <a:pPr marL="457200" indent="-457200">
+              <a:lnSpc>
+                <a:spcPts val="4479"/>
+              </a:lnSpc>
+              <a:buFont typeface="Arial" panose="020B0604020202020204" pitchFamily="34" charset="0"/>
+              <a:buChar char="•"/>
+            </a:pPr>
+            <a:r>
+              <a:rPr lang="vi-VN" sz="3199" dirty="0">
+                <a:solidFill>
+                  <a:srgbClr val="F4F4F4"/>
+                </a:solidFill>
+                <a:latin typeface="Muli Regular"/>
+              </a:rPr>
+              <a:t>Nguyễn Hữu Đức Thành</a:t>
+            </a:r>
+          </a:p>
+          <a:p>
+            <a:pPr marL="457200" indent="-457200">
+              <a:lnSpc>
+                <a:spcPts val="4479"/>
+              </a:lnSpc>
+              <a:buFont typeface="Arial" panose="020B0604020202020204" pitchFamily="34" charset="0"/>
+              <a:buChar char="•"/>
+            </a:pPr>
+            <a:r>
+              <a:rPr lang="vi-VN" sz="3199" dirty="0">
+                <a:solidFill>
+                  <a:srgbClr val="F4F4F4"/>
+                </a:solidFill>
+                <a:latin typeface="Muli Regular"/>
+              </a:rPr>
+              <a:t>Nguyễn Hữu Thiện Lộc</a:t>
+            </a:r>
+          </a:p>
+        </p:txBody>
+      </p:sp>
+      <p:sp>
+        <p:nvSpPr>
+          <p:cNvPr id="8" name="TextBox 8"/>
+          <p:cNvSpPr txBox="1"/>
+          <p:nvPr/>
+        </p:nvSpPr>
+        <p:spPr>
+          <a:xfrm>
+            <a:off x="1752600" y="5370461"/>
+            <a:ext cx="10405103" cy="2262158"/>
+          </a:xfrm>
+          <a:prstGeom prst="rect">
+            <a:avLst/>
+          </a:prstGeom>
+        </p:spPr>
+        <p:txBody>
+          <a:bodyPr wrap="square" lIns="0" tIns="0" rIns="0" bIns="0" rtlCol="0" anchor="t">
+            <a:spAutoFit/>
+          </a:bodyPr>
+          <a:lstStyle/>
+          <a:p>
+            <a:pPr>
+              <a:lnSpc>
+                <a:spcPts val="4479"/>
+              </a:lnSpc>
+            </a:pPr>
+            <a:r>
+              <a:rPr lang="vi-VN" sz="3199" dirty="0" err="1">
+                <a:solidFill>
+                  <a:srgbClr val="F4F4F4"/>
+                </a:solidFill>
+                <a:latin typeface="Muli Regular"/>
+              </a:rPr>
+              <a:t>Front-end</a:t>
+            </a:r>
+            <a:r>
+              <a:rPr lang="vi-VN" sz="3199" dirty="0">
+                <a:solidFill>
+                  <a:srgbClr val="F4F4F4"/>
+                </a:solidFill>
+                <a:latin typeface="Muli Regular"/>
+              </a:rPr>
+              <a:t>:</a:t>
+            </a:r>
+          </a:p>
+          <a:p>
+            <a:pPr marL="457200" indent="-457200">
+              <a:lnSpc>
+                <a:spcPts val="4479"/>
+              </a:lnSpc>
+              <a:buFont typeface="Arial" panose="020B0604020202020204" pitchFamily="34" charset="0"/>
+              <a:buChar char="•"/>
+            </a:pPr>
+            <a:r>
+              <a:rPr lang="vi-VN" sz="3199" dirty="0">
+                <a:solidFill>
+                  <a:srgbClr val="F4F4F4"/>
+                </a:solidFill>
+                <a:latin typeface="Muli Regular"/>
+              </a:rPr>
+              <a:t>Phạm Đắc Trường </a:t>
+            </a:r>
+          </a:p>
+          <a:p>
+            <a:pPr marL="457200" indent="-457200">
+              <a:lnSpc>
+                <a:spcPts val="4479"/>
+              </a:lnSpc>
+              <a:buFont typeface="Arial" panose="020B0604020202020204" pitchFamily="34" charset="0"/>
+              <a:buChar char="•"/>
+            </a:pPr>
+            <a:r>
+              <a:rPr lang="vi-VN" sz="3199" dirty="0">
+                <a:solidFill>
+                  <a:srgbClr val="F4F4F4"/>
+                </a:solidFill>
+                <a:latin typeface="Muli Regular"/>
+              </a:rPr>
+              <a:t>Nguyễn Phú Quốc</a:t>
+            </a:r>
+          </a:p>
+          <a:p>
+            <a:pPr marL="457200" indent="-457200">
+              <a:lnSpc>
+                <a:spcPts val="4479"/>
+              </a:lnSpc>
+              <a:buFont typeface="Arial" panose="020B0604020202020204" pitchFamily="34" charset="0"/>
+              <a:buChar char="•"/>
+            </a:pPr>
+            <a:r>
+              <a:rPr lang="vi-VN" sz="3199" dirty="0">
+                <a:solidFill>
+                  <a:srgbClr val="F4F4F4"/>
+                </a:solidFill>
+                <a:latin typeface="Muli Regular"/>
+              </a:rPr>
+              <a:t>Phạm Hồng Đại</a:t>
+            </a:r>
+            <a:endParaRPr lang="en-US" sz="3199" dirty="0">
+              <a:solidFill>
+                <a:srgbClr val="F4F4F4"/>
+              </a:solidFill>
+              <a:latin typeface="Muli Regular"/>
+            </a:endParaRPr>
+          </a:p>
+        </p:txBody>
+      </p:sp>
+    </p:spTree>
+    <p:extLst>
+      <p:ext uri="{BB962C8B-B14F-4D97-AF65-F5344CB8AC3E}">
+        <p14:creationId xmlns:p14="http://schemas.microsoft.com/office/powerpoint/2010/main" val="1942634650"/>
+      </p:ext>
+    </p:extLst>
+  </p:cSld>
+  <p:clrMapOvr>
+    <a:masterClrMapping/>
+  </p:clrMapOvr>
+</p:sld>
+</file>
+
+<file path=ppt/slides/slide6.xml><?xml version="1.0" encoding="utf-8"?>
+<p:sld xmlns:a="http://schemas.openxmlformats.org/drawingml/2006/main" xmlns:r="http://schemas.openxmlformats.org/officeDocument/2006/relationships" xmlns:p="http://schemas.openxmlformats.org/presentationml/2006/main">
+  <p:cSld>
+    <p:bg>
+      <p:bgPr>
+        <a:solidFill>
           <a:srgbClr val="F4F4F4"/>
         </a:solidFill>
         <a:effectLst/>
@@ -14163,7 +15218,7 @@
 </p:sld>
 </file>
 
-<file path=ppt/slides/slide6.xml><?xml version="1.0" encoding="utf-8"?>
+<file path=ppt/slides/slide7.xml><?xml version="1.0" encoding="utf-8"?>
 <p:sld xmlns:a="http://schemas.openxmlformats.org/drawingml/2006/main" xmlns:r="http://schemas.openxmlformats.org/officeDocument/2006/relationships" xmlns:p="http://schemas.openxmlformats.org/presentationml/2006/main">
   <p:cSld>
     <p:bg>
@@ -14740,7 +15795,7 @@
 </p:sld>
 </file>
 
-<file path=ppt/slides/slide7.xml><?xml version="1.0" encoding="utf-8"?>
+<file path=ppt/slides/slide8.xml><?xml version="1.0" encoding="utf-8"?>
 <p:sld xmlns:a="http://schemas.openxmlformats.org/drawingml/2006/main" xmlns:r="http://schemas.openxmlformats.org/officeDocument/2006/relationships" xmlns:p="http://schemas.openxmlformats.org/presentationml/2006/main">
   <p:cSld>
     <p:bg>
@@ -15317,7 +16372,7 @@
 </p:sld>
 </file>
 
-<file path=ppt/slides/slide8.xml><?xml version="1.0" encoding="utf-8"?>
+<file path=ppt/slides/slide9.xml><?xml version="1.0" encoding="utf-8"?>
 <p:sld xmlns:a="http://schemas.openxmlformats.org/drawingml/2006/main" xmlns:r="http://schemas.openxmlformats.org/officeDocument/2006/relationships" xmlns:p="http://schemas.openxmlformats.org/presentationml/2006/main">
   <p:cSld>
     <p:bg>
@@ -15681,16 +16736,16 @@
                 </a:solidFill>
                 <a:latin typeface="Muli Regular"/>
               </a:rPr>
-              <a:t>ME</a:t>
+              <a:t>MERN </a:t>
             </a:r>
             <a:r>
-              <a:rPr lang="en-US" sz="2500" b="1" dirty="0">
+              <a:rPr lang="vi-VN" sz="2500" b="1" dirty="0" err="1">
                 <a:solidFill>
                   <a:srgbClr val="000000"/>
                 </a:solidFill>
                 <a:latin typeface="Muli Regular"/>
               </a:rPr>
-              <a:t>RN</a:t>
+              <a:t>Stack</a:t>
             </a:r>
             <a:r>
               <a:rPr lang="vi-VN" sz="2500" b="1" dirty="0">
@@ -15699,7 +16754,7 @@
                 </a:solidFill>
                 <a:latin typeface="Muli Regular"/>
               </a:rPr>
-              <a:t> Stack </a:t>
+              <a:t> </a:t>
             </a:r>
             <a:r>
               <a:rPr lang="vi-VN" sz="2500" dirty="0">
@@ -15708,7 +16763,43 @@
                 </a:solidFill>
                 <a:latin typeface="Muli Regular"/>
               </a:rPr>
-              <a:t>được biết đến là tổ hợp các famework nổi tiếng được viết trên nền tảng javascript. Các </a:t>
+              <a:t>được biết đến là tổ hợp các </a:t>
+            </a:r>
+            <a:r>
+              <a:rPr lang="vi-VN" sz="2500" dirty="0" err="1">
+                <a:solidFill>
+                  <a:srgbClr val="000000"/>
+                </a:solidFill>
+                <a:latin typeface="Muli Regular"/>
+              </a:rPr>
+              <a:t>famework</a:t>
+            </a:r>
+            <a:r>
+              <a:rPr lang="vi-VN" sz="2500" dirty="0">
+                <a:solidFill>
+                  <a:srgbClr val="000000"/>
+                </a:solidFill>
+                <a:latin typeface="Muli Regular"/>
+              </a:rPr>
+              <a:t> nổi tiếng được viết trên nền tảng </a:t>
+            </a:r>
+            <a:r>
+              <a:rPr lang="vi-VN" sz="2500" dirty="0" err="1">
+                <a:solidFill>
+                  <a:srgbClr val="000000"/>
+                </a:solidFill>
+                <a:latin typeface="Muli Regular"/>
+              </a:rPr>
+              <a:t>javascript</a:t>
+            </a:r>
+            <a:r>
+              <a:rPr lang="vi-VN" sz="2500" dirty="0">
+                <a:solidFill>
+                  <a:srgbClr val="000000"/>
+                </a:solidFill>
+                <a:latin typeface="Muli Regular"/>
+              </a:rPr>
+              <a:t>. Các </a:t>
             </a:r>
             <a:r>
               <a:rPr lang="vi-VN" sz="2500" dirty="0" err="1">
@@ -16707,603 +17798,6 @@
           </p:txBody>
         </p:sp>
       </p:grpSp>
-    </p:spTree>
-  </p:cSld>
-  <p:clrMapOvr>
-    <a:masterClrMapping/>
-  </p:clrMapOvr>
-</p:sld>
-</file>
-
-<file path=ppt/slides/slide9.xml><?xml version="1.0" encoding="utf-8"?>
-<p:sld xmlns:a="http://schemas.openxmlformats.org/drawingml/2006/main" xmlns:r="http://schemas.openxmlformats.org/officeDocument/2006/relationships" xmlns:p="http://schemas.openxmlformats.org/presentationml/2006/main">
-  <p:cSld>
-    <p:bg>
-      <p:bgPr>
-        <a:solidFill>
-          <a:srgbClr val="F4F4F4"/>
-        </a:solidFill>
-        <a:effectLst/>
-      </p:bgPr>
-    </p:bg>
-    <p:spTree>
-      <p:nvGrpSpPr>
-        <p:cNvPr id="1" name=""/>
-        <p:cNvGrpSpPr/>
-        <p:nvPr/>
-      </p:nvGrpSpPr>
-      <p:grpSpPr>
-        <a:xfrm>
-          <a:off x="0" y="0"/>
-          <a:ext cx="0" cy="0"/>
-          <a:chOff x="0" y="0"/>
-          <a:chExt cx="0" cy="0"/>
-        </a:xfrm>
-      </p:grpSpPr>
-      <p:grpSp>
-        <p:nvGrpSpPr>
-          <p:cNvPr id="2" name="Group 2"/>
-          <p:cNvGrpSpPr/>
-          <p:nvPr/>
-        </p:nvGrpSpPr>
-        <p:grpSpPr>
-          <a:xfrm>
-            <a:off x="1028700" y="1028700"/>
-            <a:ext cx="4212844" cy="586200"/>
-            <a:chOff x="0" y="0"/>
-            <a:chExt cx="5617125" cy="781600"/>
-          </a:xfrm>
-        </p:grpSpPr>
-        <p:sp>
-          <p:nvSpPr>
-            <p:cNvPr id="3" name="TextBox 3"/>
-            <p:cNvSpPr txBox="1"/>
-            <p:nvPr/>
-          </p:nvSpPr>
-          <p:spPr>
-            <a:xfrm>
-              <a:off x="1293956" y="104415"/>
-              <a:ext cx="4323169" cy="534079"/>
-            </a:xfrm>
-            <a:prstGeom prst="rect">
-              <a:avLst/>
-            </a:prstGeom>
-          </p:spPr>
-          <p:txBody>
-            <a:bodyPr lIns="0" tIns="0" rIns="0" bIns="0" rtlCol="0" anchor="t">
-              <a:spAutoFit/>
-            </a:bodyPr>
-            <a:lstStyle/>
-            <a:p>
-              <a:pPr>
-                <a:lnSpc>
-                  <a:spcPts val="3359"/>
-                </a:lnSpc>
-                <a:spcBef>
-                  <a:spcPct val="0"/>
-                </a:spcBef>
-              </a:pPr>
-              <a:r>
-                <a:rPr lang="vi-VN" sz="2400" dirty="0">
-                  <a:solidFill>
-                    <a:srgbClr val="000000"/>
-                  </a:solidFill>
-                  <a:latin typeface="Muli Bold"/>
-                </a:rPr>
-                <a:t>Mô hình hóa yêu cầu</a:t>
-              </a:r>
-              <a:endParaRPr lang="en-US" sz="2400" dirty="0">
-                <a:solidFill>
-                  <a:srgbClr val="000000"/>
-                </a:solidFill>
-                <a:latin typeface="Muli Bold"/>
-              </a:endParaRPr>
-            </a:p>
-          </p:txBody>
-        </p:sp>
-        <p:pic>
-          <p:nvPicPr>
-            <p:cNvPr id="4" name="Picture 4"/>
-            <p:cNvPicPr>
-              <a:picLocks noChangeAspect="1"/>
-            </p:cNvPicPr>
-            <p:nvPr/>
-          </p:nvPicPr>
-          <p:blipFill>
-            <a:blip r:embed="rId2" cstate="print">
-              <a:extLst>
-                <a:ext uri="{28A0092B-C50C-407E-A947-70E740481C1C}">
-                  <a14:useLocalDpi xmlns:a14="http://schemas.microsoft.com/office/drawing/2010/main" val="0"/>
-                </a:ext>
-                <a:ext uri="{96DAC541-7B7A-43D3-8B79-37D633B846F1}">
-                  <asvg:svgBlip xmlns:asvg="http://schemas.microsoft.com/office/drawing/2016/SVG/main" r:embed="rId3"/>
-                </a:ext>
-              </a:extLst>
-            </a:blip>
-            <a:srcRect/>
-            <a:stretch>
-              <a:fillRect/>
-            </a:stretch>
-          </p:blipFill>
-          <p:spPr>
-            <a:xfrm>
-              <a:off x="0" y="0"/>
-              <a:ext cx="905010" cy="781600"/>
-            </a:xfrm>
-            <a:prstGeom prst="rect">
-              <a:avLst/>
-            </a:prstGeom>
-          </p:spPr>
-        </p:pic>
-      </p:grpSp>
-      <p:grpSp>
-        <p:nvGrpSpPr>
-          <p:cNvPr id="5" name="Group 5"/>
-          <p:cNvGrpSpPr/>
-          <p:nvPr/>
-        </p:nvGrpSpPr>
-        <p:grpSpPr>
-          <a:xfrm rot="-10800000">
-            <a:off x="-1306086" y="4784384"/>
-            <a:ext cx="4985461" cy="4317433"/>
-            <a:chOff x="0" y="0"/>
-            <a:chExt cx="3619627" cy="3134614"/>
-          </a:xfrm>
-        </p:grpSpPr>
-        <p:sp>
-          <p:nvSpPr>
-            <p:cNvPr id="6" name="Freeform 6"/>
-            <p:cNvSpPr/>
-            <p:nvPr/>
-          </p:nvSpPr>
-          <p:spPr>
-            <a:xfrm>
-              <a:off x="0" y="0"/>
-              <a:ext cx="3619627" cy="3134614"/>
-            </a:xfrm>
-            <a:custGeom>
-              <a:avLst/>
-              <a:gdLst/>
-              <a:ahLst/>
-              <a:cxnLst/>
-              <a:rect l="l" t="t" r="r" b="b"/>
-              <a:pathLst>
-                <a:path w="3619627" h="3134614">
-                  <a:moveTo>
-                    <a:pt x="3619627" y="1567307"/>
-                  </a:moveTo>
-                  <a:lnTo>
-                    <a:pt x="2714752" y="3134614"/>
-                  </a:lnTo>
-                  <a:lnTo>
-                    <a:pt x="904875" y="3134614"/>
-                  </a:lnTo>
-                  <a:lnTo>
-                    <a:pt x="0" y="1567307"/>
-                  </a:lnTo>
-                  <a:lnTo>
-                    <a:pt x="904875" y="0"/>
-                  </a:lnTo>
-                  <a:lnTo>
-                    <a:pt x="2714625" y="0"/>
-                  </a:lnTo>
-                  <a:lnTo>
-                    <a:pt x="3619627" y="1567307"/>
-                  </a:lnTo>
-                  <a:close/>
-                </a:path>
-              </a:pathLst>
-            </a:custGeom>
-            <a:solidFill>
-              <a:srgbClr val="004651"/>
-            </a:solidFill>
-          </p:spPr>
-        </p:sp>
-      </p:grpSp>
-      <p:grpSp>
-        <p:nvGrpSpPr>
-          <p:cNvPr id="7" name="Group 7"/>
-          <p:cNvGrpSpPr/>
-          <p:nvPr/>
-        </p:nvGrpSpPr>
-        <p:grpSpPr>
-          <a:xfrm rot="-10800000">
-            <a:off x="3061137" y="7468788"/>
-            <a:ext cx="3480308" cy="3013963"/>
-            <a:chOff x="0" y="0"/>
-            <a:chExt cx="3619627" cy="3134614"/>
-          </a:xfrm>
-        </p:grpSpPr>
-        <p:sp>
-          <p:nvSpPr>
-            <p:cNvPr id="8" name="Freeform 8"/>
-            <p:cNvSpPr/>
-            <p:nvPr/>
-          </p:nvSpPr>
-          <p:spPr>
-            <a:xfrm>
-              <a:off x="0" y="0"/>
-              <a:ext cx="3619627" cy="3134614"/>
-            </a:xfrm>
-            <a:custGeom>
-              <a:avLst/>
-              <a:gdLst/>
-              <a:ahLst/>
-              <a:cxnLst/>
-              <a:rect l="l" t="t" r="r" b="b"/>
-              <a:pathLst>
-                <a:path w="3619627" h="3134614">
-                  <a:moveTo>
-                    <a:pt x="3619627" y="1567307"/>
-                  </a:moveTo>
-                  <a:lnTo>
-                    <a:pt x="2714752" y="3134614"/>
-                  </a:lnTo>
-                  <a:lnTo>
-                    <a:pt x="904875" y="3134614"/>
-                  </a:lnTo>
-                  <a:lnTo>
-                    <a:pt x="0" y="1567307"/>
-                  </a:lnTo>
-                  <a:lnTo>
-                    <a:pt x="904875" y="0"/>
-                  </a:lnTo>
-                  <a:lnTo>
-                    <a:pt x="2714625" y="0"/>
-                  </a:lnTo>
-                  <a:lnTo>
-                    <a:pt x="3619627" y="1567307"/>
-                  </a:lnTo>
-                  <a:close/>
-                </a:path>
-              </a:pathLst>
-            </a:custGeom>
-            <a:solidFill>
-              <a:srgbClr val="A4E473"/>
-            </a:solidFill>
-          </p:spPr>
-        </p:sp>
-      </p:grpSp>
-      <p:grpSp>
-        <p:nvGrpSpPr>
-          <p:cNvPr id="9" name="Group 9"/>
-          <p:cNvGrpSpPr/>
-          <p:nvPr/>
-        </p:nvGrpSpPr>
-        <p:grpSpPr>
-          <a:xfrm rot="-10800000">
-            <a:off x="2780085" y="4005595"/>
-            <a:ext cx="1798578" cy="1557577"/>
-            <a:chOff x="0" y="0"/>
-            <a:chExt cx="3619627" cy="3134614"/>
-          </a:xfrm>
-        </p:grpSpPr>
-        <p:sp>
-          <p:nvSpPr>
-            <p:cNvPr id="10" name="Freeform 10"/>
-            <p:cNvSpPr/>
-            <p:nvPr/>
-          </p:nvSpPr>
-          <p:spPr>
-            <a:xfrm>
-              <a:off x="0" y="0"/>
-              <a:ext cx="3619627" cy="3134614"/>
-            </a:xfrm>
-            <a:custGeom>
-              <a:avLst/>
-              <a:gdLst/>
-              <a:ahLst/>
-              <a:cxnLst/>
-              <a:rect l="l" t="t" r="r" b="b"/>
-              <a:pathLst>
-                <a:path w="3619627" h="3134614">
-                  <a:moveTo>
-                    <a:pt x="3619627" y="1567307"/>
-                  </a:moveTo>
-                  <a:lnTo>
-                    <a:pt x="2714752" y="3134614"/>
-                  </a:lnTo>
-                  <a:lnTo>
-                    <a:pt x="904875" y="3134614"/>
-                  </a:lnTo>
-                  <a:lnTo>
-                    <a:pt x="0" y="1567307"/>
-                  </a:lnTo>
-                  <a:lnTo>
-                    <a:pt x="904875" y="0"/>
-                  </a:lnTo>
-                  <a:lnTo>
-                    <a:pt x="2714625" y="0"/>
-                  </a:lnTo>
-                  <a:lnTo>
-                    <a:pt x="3619627" y="1567307"/>
-                  </a:lnTo>
-                  <a:close/>
-                </a:path>
-              </a:pathLst>
-            </a:custGeom>
-            <a:solidFill>
-              <a:srgbClr val="00A181"/>
-            </a:solidFill>
-          </p:spPr>
-        </p:sp>
-      </p:grpSp>
-      <p:grpSp>
-        <p:nvGrpSpPr>
-          <p:cNvPr id="11" name="Group 11"/>
-          <p:cNvGrpSpPr/>
-          <p:nvPr/>
-        </p:nvGrpSpPr>
-        <p:grpSpPr>
-          <a:xfrm rot="-10800000">
-            <a:off x="300983" y="7795449"/>
-            <a:ext cx="3378391" cy="2925703"/>
-            <a:chOff x="0" y="0"/>
-            <a:chExt cx="3619627" cy="3134614"/>
-          </a:xfrm>
-        </p:grpSpPr>
-        <p:sp>
-          <p:nvSpPr>
-            <p:cNvPr id="12" name="Freeform 12"/>
-            <p:cNvSpPr/>
-            <p:nvPr/>
-          </p:nvSpPr>
-          <p:spPr>
-            <a:xfrm>
-              <a:off x="0" y="0"/>
-              <a:ext cx="3619627" cy="3134614"/>
-            </a:xfrm>
-            <a:custGeom>
-              <a:avLst/>
-              <a:gdLst/>
-              <a:ahLst/>
-              <a:cxnLst/>
-              <a:rect l="l" t="t" r="r" b="b"/>
-              <a:pathLst>
-                <a:path w="3619627" h="3134614">
-                  <a:moveTo>
-                    <a:pt x="3619627" y="1567307"/>
-                  </a:moveTo>
-                  <a:lnTo>
-                    <a:pt x="2714752" y="3134614"/>
-                  </a:lnTo>
-                  <a:lnTo>
-                    <a:pt x="904875" y="3134614"/>
-                  </a:lnTo>
-                  <a:lnTo>
-                    <a:pt x="0" y="1567307"/>
-                  </a:lnTo>
-                  <a:lnTo>
-                    <a:pt x="904875" y="0"/>
-                  </a:lnTo>
-                  <a:lnTo>
-                    <a:pt x="2714625" y="0"/>
-                  </a:lnTo>
-                  <a:lnTo>
-                    <a:pt x="3619627" y="1567307"/>
-                  </a:lnTo>
-                  <a:close/>
-                </a:path>
-              </a:pathLst>
-            </a:custGeom>
-            <a:solidFill>
-              <a:srgbClr val="00A181"/>
-            </a:solidFill>
-          </p:spPr>
-        </p:sp>
-      </p:grpSp>
-      <p:pic>
-        <p:nvPicPr>
-          <p:cNvPr id="19" name="Hình ảnh 18">
-            <a:extLst>
-              <a:ext uri="{FF2B5EF4-FFF2-40B4-BE49-F238E27FC236}">
-                <a16:creationId xmlns:a16="http://schemas.microsoft.com/office/drawing/2014/main" id="{D251EB81-9455-CB09-83D1-3E8767188CF9}"/>
-              </a:ext>
-            </a:extLst>
-          </p:cNvPr>
-          <p:cNvPicPr>
-            <a:picLocks noChangeAspect="1"/>
-          </p:cNvPicPr>
-          <p:nvPr/>
-        </p:nvPicPr>
-        <p:blipFill>
-          <a:blip r:embed="rId4"/>
-          <a:stretch>
-            <a:fillRect/>
-          </a:stretch>
-        </p:blipFill>
-        <p:spPr>
-          <a:xfrm>
-            <a:off x="6519322" y="3012083"/>
-            <a:ext cx="10929025" cy="5543708"/>
-          </a:xfrm>
-          <a:prstGeom prst="rect">
-            <a:avLst/>
-          </a:prstGeom>
-        </p:spPr>
-      </p:pic>
-      <p:sp>
-        <p:nvSpPr>
-          <p:cNvPr id="20" name="TextBox 14">
-            <a:extLst>
-              <a:ext uri="{FF2B5EF4-FFF2-40B4-BE49-F238E27FC236}">
-                <a16:creationId xmlns:a16="http://schemas.microsoft.com/office/drawing/2014/main" id="{D92102DF-71B5-B8F5-12D4-51710F2C4D1A}"/>
-              </a:ext>
-            </a:extLst>
-          </p:cNvPr>
-          <p:cNvSpPr txBox="1"/>
-          <p:nvPr/>
-        </p:nvSpPr>
-        <p:spPr>
-          <a:xfrm>
-            <a:off x="5791200" y="2324100"/>
-            <a:ext cx="3480309" cy="422873"/>
-          </a:xfrm>
-          <a:prstGeom prst="rect">
-            <a:avLst/>
-          </a:prstGeom>
-        </p:spPr>
-        <p:txBody>
-          <a:bodyPr wrap="square" lIns="0" tIns="0" rIns="0" bIns="0" rtlCol="0" anchor="t">
-            <a:spAutoFit/>
-          </a:bodyPr>
-          <a:lstStyle/>
-          <a:p>
-            <a:pPr algn="ctr">
-              <a:lnSpc>
-                <a:spcPts val="3600"/>
-              </a:lnSpc>
-              <a:spcBef>
-                <a:spcPct val="0"/>
-              </a:spcBef>
-            </a:pPr>
-            <a:r>
-              <a:rPr lang="vi-VN" sz="2500" dirty="0">
-                <a:solidFill>
-                  <a:srgbClr val="000000"/>
-                </a:solidFill>
-                <a:latin typeface="Muli Bold"/>
-              </a:rPr>
-              <a:t>Khách</a:t>
-            </a:r>
-            <a:endParaRPr lang="en-US" sz="2500" dirty="0">
-              <a:solidFill>
-                <a:srgbClr val="000000"/>
-              </a:solidFill>
-              <a:latin typeface="Muli Bold"/>
-            </a:endParaRPr>
-          </a:p>
-        </p:txBody>
-      </p:sp>
-      <p:grpSp>
-        <p:nvGrpSpPr>
-          <p:cNvPr id="21" name="Group 12">
-            <a:extLst>
-              <a:ext uri="{FF2B5EF4-FFF2-40B4-BE49-F238E27FC236}">
-                <a16:creationId xmlns:a16="http://schemas.microsoft.com/office/drawing/2014/main" id="{D5D43A7A-FE00-C8EC-A9AB-EC8D3E872CE1}"/>
-              </a:ext>
-            </a:extLst>
-          </p:cNvPr>
-          <p:cNvGrpSpPr/>
-          <p:nvPr/>
-        </p:nvGrpSpPr>
-        <p:grpSpPr>
-          <a:xfrm>
-            <a:off x="1874664" y="2101814"/>
-            <a:ext cx="380203" cy="329258"/>
-            <a:chOff x="0" y="0"/>
-            <a:chExt cx="3619627" cy="3134614"/>
-          </a:xfrm>
-        </p:grpSpPr>
-        <p:sp>
-          <p:nvSpPr>
-            <p:cNvPr id="22" name="Freeform 13">
-              <a:extLst>
-                <a:ext uri="{FF2B5EF4-FFF2-40B4-BE49-F238E27FC236}">
-                  <a16:creationId xmlns:a16="http://schemas.microsoft.com/office/drawing/2014/main" id="{D9A9FC6D-44A1-B645-329A-4892158E0BF8}"/>
-                </a:ext>
-              </a:extLst>
-            </p:cNvPr>
-            <p:cNvSpPr/>
-            <p:nvPr/>
-          </p:nvSpPr>
-          <p:spPr>
-            <a:xfrm>
-              <a:off x="0" y="0"/>
-              <a:ext cx="3619627" cy="3134614"/>
-            </a:xfrm>
-            <a:custGeom>
-              <a:avLst/>
-              <a:gdLst/>
-              <a:ahLst/>
-              <a:cxnLst/>
-              <a:rect l="l" t="t" r="r" b="b"/>
-              <a:pathLst>
-                <a:path w="3619627" h="3134614">
-                  <a:moveTo>
-                    <a:pt x="3619627" y="1567307"/>
-                  </a:moveTo>
-                  <a:lnTo>
-                    <a:pt x="2714752" y="3134614"/>
-                  </a:lnTo>
-                  <a:lnTo>
-                    <a:pt x="904875" y="3134614"/>
-                  </a:lnTo>
-                  <a:lnTo>
-                    <a:pt x="0" y="1567307"/>
-                  </a:lnTo>
-                  <a:lnTo>
-                    <a:pt x="904875" y="0"/>
-                  </a:lnTo>
-                  <a:lnTo>
-                    <a:pt x="2714625" y="0"/>
-                  </a:lnTo>
-                  <a:lnTo>
-                    <a:pt x="3619627" y="1567307"/>
-                  </a:lnTo>
-                  <a:close/>
-                </a:path>
-              </a:pathLst>
-            </a:custGeom>
-            <a:solidFill>
-              <a:srgbClr val="A5E473"/>
-            </a:solidFill>
-          </p:spPr>
-        </p:sp>
-      </p:grpSp>
-      <p:sp>
-        <p:nvSpPr>
-          <p:cNvPr id="23" name="TextBox 14">
-            <a:extLst>
-              <a:ext uri="{FF2B5EF4-FFF2-40B4-BE49-F238E27FC236}">
-                <a16:creationId xmlns:a16="http://schemas.microsoft.com/office/drawing/2014/main" id="{880264D6-CEDB-D783-CCDF-E8FC25E4C98B}"/>
-              </a:ext>
-            </a:extLst>
-          </p:cNvPr>
-          <p:cNvSpPr txBox="1"/>
-          <p:nvPr/>
-        </p:nvSpPr>
-        <p:spPr>
-          <a:xfrm>
-            <a:off x="2310891" y="2053627"/>
-            <a:ext cx="4470909" cy="422873"/>
-          </a:xfrm>
-          <a:prstGeom prst="rect">
-            <a:avLst/>
-          </a:prstGeom>
-        </p:spPr>
-        <p:txBody>
-          <a:bodyPr wrap="square" lIns="0" tIns="0" rIns="0" bIns="0" rtlCol="0" anchor="t">
-            <a:spAutoFit/>
-          </a:bodyPr>
-          <a:lstStyle/>
-          <a:p>
-            <a:pPr algn="ctr">
-              <a:lnSpc>
-                <a:spcPts val="3600"/>
-              </a:lnSpc>
-              <a:spcBef>
-                <a:spcPct val="0"/>
-              </a:spcBef>
-            </a:pPr>
-            <a:r>
-              <a:rPr lang="vi-VN" sz="2500" dirty="0">
-                <a:solidFill>
-                  <a:srgbClr val="000000"/>
-                </a:solidFill>
-                <a:latin typeface="Muli Bold"/>
-              </a:rPr>
-              <a:t>Yêu cầu chức năng nghiệp vụ</a:t>
-            </a:r>
-            <a:endParaRPr lang="en-US" sz="2500" dirty="0">
-              <a:solidFill>
-                <a:srgbClr val="000000"/>
-              </a:solidFill>
-              <a:latin typeface="Muli Bold"/>
-            </a:endParaRPr>
-          </a:p>
-        </p:txBody>
-      </p:sp>
     </p:spTree>
   </p:cSld>
   <p:clrMapOvr>

--- a/Nhóm10_Tương_Tác_Người_Máy.pptx
+++ b/Nhóm10_Tương_Tác_Người_Máy.pptx
@@ -40,11 +40,11 @@
       <p:boldItalic r:id="rId26"/>
     </p:embeddedFont>
     <p:embeddedFont>
-      <p:font typeface="Muli Bold" panose="020B0604020202020204" charset="-93"/>
+      <p:font typeface="Muli Bold" panose="020B0604020202020204" charset="0"/>
       <p:regular r:id="rId27"/>
     </p:embeddedFont>
     <p:embeddedFont>
-      <p:font typeface="Muli Regular" panose="020B0604020202020204" charset="-93"/>
+      <p:font typeface="Muli Regular" panose="020B0604020202020204" charset="0"/>
       <p:regular r:id="rId28"/>
     </p:embeddedFont>
   </p:embeddedFontLst>
@@ -244,7 +244,7 @@
           <a:p>
             <a:fld id="{F526537B-F477-463F-8592-FD009002EC61}" type="datetimeFigureOut">
               <a:rPr lang="en-US" smtClean="0"/>
-              <a:t>3/1/2023</a:t>
+              <a:t>2023-03-01</a:t>
             </a:fld>
             <a:endParaRPr lang="en-US"/>
           </a:p>
@@ -776,7 +776,7 @@
             <a:fld id="{1D8BD707-D9CF-40AE-B4C6-C98DA3205C09}" type="datetimeFigureOut">
               <a:rPr lang="en-US" smtClean="0"/>
               <a:pPr/>
-              <a:t>3/1/2023</a:t>
+              <a:t>2023-03-01</a:t>
             </a:fld>
             <a:endParaRPr lang="en-US"/>
           </a:p>
@@ -941,7 +941,7 @@
             <a:fld id="{1D8BD707-D9CF-40AE-B4C6-C98DA3205C09}" type="datetimeFigureOut">
               <a:rPr lang="en-US" smtClean="0"/>
               <a:pPr/>
-              <a:t>3/1/2023</a:t>
+              <a:t>2023-03-01</a:t>
             </a:fld>
             <a:endParaRPr lang="en-US"/>
           </a:p>
@@ -1116,7 +1116,7 @@
             <a:fld id="{1D8BD707-D9CF-40AE-B4C6-C98DA3205C09}" type="datetimeFigureOut">
               <a:rPr lang="en-US" smtClean="0"/>
               <a:pPr/>
-              <a:t>3/1/2023</a:t>
+              <a:t>2023-03-01</a:t>
             </a:fld>
             <a:endParaRPr lang="en-US"/>
           </a:p>
@@ -1281,7 +1281,7 @@
             <a:fld id="{1D8BD707-D9CF-40AE-B4C6-C98DA3205C09}" type="datetimeFigureOut">
               <a:rPr lang="en-US" smtClean="0"/>
               <a:pPr/>
-              <a:t>3/1/2023</a:t>
+              <a:t>2023-03-01</a:t>
             </a:fld>
             <a:endParaRPr lang="en-US"/>
           </a:p>
@@ -1523,7 +1523,7 @@
             <a:fld id="{1D8BD707-D9CF-40AE-B4C6-C98DA3205C09}" type="datetimeFigureOut">
               <a:rPr lang="en-US" smtClean="0"/>
               <a:pPr/>
-              <a:t>3/1/2023</a:t>
+              <a:t>2023-03-01</a:t>
             </a:fld>
             <a:endParaRPr lang="en-US"/>
           </a:p>
@@ -1805,7 +1805,7 @@
             <a:fld id="{1D8BD707-D9CF-40AE-B4C6-C98DA3205C09}" type="datetimeFigureOut">
               <a:rPr lang="en-US" smtClean="0"/>
               <a:pPr/>
-              <a:t>3/1/2023</a:t>
+              <a:t>2023-03-01</a:t>
             </a:fld>
             <a:endParaRPr lang="en-US"/>
           </a:p>
@@ -2221,7 +2221,7 @@
             <a:fld id="{1D8BD707-D9CF-40AE-B4C6-C98DA3205C09}" type="datetimeFigureOut">
               <a:rPr lang="en-US" smtClean="0"/>
               <a:pPr/>
-              <a:t>3/1/2023</a:t>
+              <a:t>2023-03-01</a:t>
             </a:fld>
             <a:endParaRPr lang="en-US"/>
           </a:p>
@@ -2335,7 +2335,7 @@
             <a:fld id="{1D8BD707-D9CF-40AE-B4C6-C98DA3205C09}" type="datetimeFigureOut">
               <a:rPr lang="en-US" smtClean="0"/>
               <a:pPr/>
-              <a:t>3/1/2023</a:t>
+              <a:t>2023-03-01</a:t>
             </a:fld>
             <a:endParaRPr lang="en-US"/>
           </a:p>
@@ -2427,7 +2427,7 @@
             <a:fld id="{1D8BD707-D9CF-40AE-B4C6-C98DA3205C09}" type="datetimeFigureOut">
               <a:rPr lang="en-US" smtClean="0"/>
               <a:pPr/>
-              <a:t>3/1/2023</a:t>
+              <a:t>2023-03-01</a:t>
             </a:fld>
             <a:endParaRPr lang="en-US"/>
           </a:p>
@@ -2699,7 +2699,7 @@
             <a:fld id="{1D8BD707-D9CF-40AE-B4C6-C98DA3205C09}" type="datetimeFigureOut">
               <a:rPr lang="en-US" smtClean="0"/>
               <a:pPr/>
-              <a:t>3/1/2023</a:t>
+              <a:t>2023-03-01</a:t>
             </a:fld>
             <a:endParaRPr lang="en-US"/>
           </a:p>
@@ -2948,7 +2948,7 @@
             <a:fld id="{1D8BD707-D9CF-40AE-B4C6-C98DA3205C09}" type="datetimeFigureOut">
               <a:rPr lang="en-US" smtClean="0"/>
               <a:pPr/>
-              <a:t>3/1/2023</a:t>
+              <a:t>2023-03-01</a:t>
             </a:fld>
             <a:endParaRPr lang="en-US"/>
           </a:p>
@@ -3156,7 +3156,7 @@
             <a:fld id="{1D8BD707-D9CF-40AE-B4C6-C98DA3205C09}" type="datetimeFigureOut">
               <a:rPr lang="en-US" smtClean="0"/>
               <a:pPr/>
-              <a:t>3/1/2023</a:t>
+              <a:t>2023-03-01</a:t>
             </a:fld>
             <a:endParaRPr lang="en-US"/>
           </a:p>
@@ -13399,13 +13399,22 @@
               <a:buChar char="•"/>
             </a:pPr>
             <a:r>
-              <a:rPr lang="vi-VN" sz="3199" dirty="0" err="1">
+              <a:rPr lang="vi-VN" sz="3199" dirty="0">
                 <a:solidFill>
                   <a:srgbClr val="F4F4F4"/>
                 </a:solidFill>
                 <a:latin typeface="Muli Regular"/>
               </a:rPr>
-              <a:t>Webside</a:t>
+              <a:t>Websi</a:t>
+            </a:r>
+            <a:r>
+              <a:rPr lang="en-US" sz="3199" dirty="0">
+                <a:solidFill>
+                  <a:srgbClr val="F4F4F4"/>
+                </a:solidFill>
+                <a:latin typeface="Muli Regular"/>
+              </a:rPr>
+              <a:t>t</a:t>
             </a:r>
             <a:r>
               <a:rPr lang="vi-VN" sz="3199" dirty="0">
@@ -13414,25 +13423,7 @@
                 </a:solidFill>
                 <a:latin typeface="Muli Regular"/>
               </a:rPr>
-              <a:t> bán hàng </a:t>
-            </a:r>
-            <a:r>
-              <a:rPr lang="vi-VN" sz="3199" dirty="0" err="1">
-                <a:solidFill>
-                  <a:srgbClr val="F4F4F4"/>
-                </a:solidFill>
-                <a:latin typeface="Muli Regular"/>
-              </a:rPr>
-              <a:t>online</a:t>
-            </a:r>
-            <a:r>
-              <a:rPr lang="vi-VN" sz="3199" dirty="0">
-                <a:solidFill>
-                  <a:srgbClr val="F4F4F4"/>
-                </a:solidFill>
-                <a:latin typeface="Muli Regular"/>
-              </a:rPr>
-              <a:t> ngày càng thịnh hành</a:t>
+              <a:t>e bán hàng online ngày càng thịnh hành</a:t>
             </a:r>
             <a:endParaRPr lang="en-US" sz="3199" dirty="0">
               <a:solidFill>
@@ -14133,25 +14124,7 @@
                 </a:solidFill>
                 <a:latin typeface="Muli Regular"/>
               </a:rPr>
-              <a:t>Giúp doanh nghiệp áp dụng </a:t>
-            </a:r>
-            <a:r>
-              <a:rPr lang="vi-VN" sz="3199" dirty="0" err="1">
-                <a:solidFill>
-                  <a:srgbClr val="F4F4F4"/>
-                </a:solidFill>
-                <a:latin typeface="Muli Regular"/>
-              </a:rPr>
-              <a:t>website</a:t>
-            </a:r>
-            <a:r>
-              <a:rPr lang="vi-VN" sz="3199" dirty="0">
-                <a:solidFill>
-                  <a:srgbClr val="F4F4F4"/>
-                </a:solidFill>
-                <a:latin typeface="Muli Regular"/>
-              </a:rPr>
-              <a:t> bán hang trực tiếp để thúc đẩy doanh thu và thu hút các khách hang tiềm năng.</a:t>
+              <a:t>Giúp cửa hàng áp dụng website bán hàng trực tiếp để thúc đẩy doanh thu và thu hút các khách hàng tiềm năng.</a:t>
             </a:r>
             <a:endParaRPr lang="en-US" sz="3199" dirty="0">
               <a:solidFill>
@@ -14201,7 +14174,16 @@
                 </a:solidFill>
                 <a:latin typeface="Muli Regular"/>
               </a:rPr>
-              <a:t>Giúp người dung dễ dàng quản lý các sản phẩm nhập hàng và xuất hang dễ dàng.</a:t>
+              <a:t>Giúp người dùng dễ dàng quản lý các đơn hàng và các sản phẩm </a:t>
+            </a:r>
+            <a:r>
+              <a:rPr lang="vi-VN" sz="3199">
+                <a:solidFill>
+                  <a:srgbClr val="F4F4F4"/>
+                </a:solidFill>
+                <a:latin typeface="Muli Regular"/>
+              </a:rPr>
+              <a:t>đã mua.</a:t>
             </a:r>
             <a:endParaRPr lang="en-US" sz="3199" dirty="0">
               <a:solidFill>

--- a/Nhóm10_Tương_Tác_Người_Máy.pptx
+++ b/Nhóm10_Tương_Tác_Người_Máy.pptx
@@ -4625,7 +4625,7 @@
         </p:blipFill>
         <p:spPr>
           <a:xfrm>
-            <a:off x="6519322" y="3012083"/>
+            <a:off x="6507578" y="3009900"/>
             <a:ext cx="10929025" cy="5543708"/>
           </a:xfrm>
           <a:prstGeom prst="rect">
@@ -14174,16 +14174,7 @@
                 </a:solidFill>
                 <a:latin typeface="Muli Regular"/>
               </a:rPr>
-              <a:t>Giúp người dùng dễ dàng quản lý các đơn hàng và các sản phẩm </a:t>
-            </a:r>
-            <a:r>
-              <a:rPr lang="vi-VN" sz="3199">
-                <a:solidFill>
-                  <a:srgbClr val="F4F4F4"/>
-                </a:solidFill>
-                <a:latin typeface="Muli Regular"/>
-              </a:rPr>
-              <a:t>đã mua.</a:t>
+              <a:t>Giúp người dùng dễ dàng quản lý các đơn hàng và các sản phẩm đã mua.</a:t>
             </a:r>
             <a:endParaRPr lang="en-US" sz="3199" dirty="0">
               <a:solidFill>
@@ -17449,16 +17440,16 @@
                   </a:solidFill>
                   <a:latin typeface="Muli Regular"/>
                 </a:rPr>
-                <a:t> đang rất </a:t>
+                <a:t> </a:t>
               </a:r>
               <a:r>
-                <a:rPr lang="vi-VN" sz="2000" dirty="0" err="1">
+                <a:rPr lang="vi-VN" sz="2000">
                   <a:solidFill>
                     <a:srgbClr val="000000"/>
                   </a:solidFill>
                   <a:latin typeface="Muli Regular"/>
                 </a:rPr>
-                <a:t>hot</a:t>
+                <a:t>đang khá phổ biến </a:t>
               </a:r>
               <a:r>
                 <a:rPr lang="vi-VN" sz="2000" dirty="0">
@@ -17467,7 +17458,7 @@
                   </a:solidFill>
                   <a:latin typeface="Muli Regular"/>
                 </a:rPr>
-                <a:t> hiện nay.</a:t>
+                <a:t>hiện nay.</a:t>
               </a:r>
               <a:endParaRPr lang="en-US" sz="2000" dirty="0">
                 <a:solidFill>
